--- a/ppt/msl-companion.pptx
+++ b/ppt/msl-companion.pptx
@@ -5,16 +5,18 @@
     <p:sldMasterId id="2147483648" r:id="rId4"/>
   </p:sldMasterIdLst>
   <p:notesMasterIdLst>
-    <p:notesMasterId r:id="rId9"/>
+    <p:notesMasterId r:id="rId11"/>
   </p:notesMasterIdLst>
   <p:handoutMasterIdLst>
-    <p:handoutMasterId r:id="rId10"/>
+    <p:handoutMasterId r:id="rId12"/>
   </p:handoutMasterIdLst>
   <p:sldIdLst>
     <p:sldId id="3964" r:id="rId5"/>
     <p:sldId id="3960" r:id="rId6"/>
     <p:sldId id="3966" r:id="rId7"/>
-    <p:sldId id="3965" r:id="rId8"/>
+    <p:sldId id="3967" r:id="rId8"/>
+    <p:sldId id="3969" r:id="rId9"/>
+    <p:sldId id="3965" r:id="rId10"/>
   </p:sldIdLst>
   <p:sldSz cx="12192000" cy="6858000"/>
   <p:notesSz cx="6858000" cy="9144000"/>
@@ -244,7 +246,7 @@
           <a:p>
             <a:fld id="{63FA1003-23F1-F848-ABD7-AA279ACD1B1C}" type="datetimeFigureOut">
               <a:rPr lang="en-US" smtClean="0"/>
-              <a:t>10/13/24</a:t>
+              <a:t>10/17/24</a:t>
             </a:fld>
             <a:endParaRPr lang="en-US"/>
           </a:p>
@@ -421,7 +423,7 @@
           <a:p>
             <a:fld id="{F1F6C0D1-008B-C245-AF1E-F6ADA8BEAF3C}" type="datetimeFigureOut">
               <a:rPr lang="en-US" smtClean="0"/>
-              <a:t>10/13/24</a:t>
+              <a:t>10/17/24</a:t>
             </a:fld>
             <a:endParaRPr lang="en-US"/>
           </a:p>
@@ -13113,7 +13115,7 @@
         </p:spPr>
         <p:txBody>
           <a:bodyPr>
-            <a:normAutofit fontScale="92500"/>
+            <a:normAutofit/>
           </a:bodyPr>
           <a:lstStyle/>
           <a:p>
@@ -13128,7 +13130,7 @@
               <a:buNone/>
             </a:pPr>
             <a:r>
-              <a:rPr lang="en-US" sz="2800">
+              <a:rPr lang="en-US" sz="2800" dirty="0">
                 <a:solidFill>
                   <a:schemeClr val="bg1"/>
                 </a:solidFill>
@@ -13136,31 +13138,20 @@
               <a:t>Identify a solution that uses LLMs to inform, train and empower MSL teams by using </a:t>
             </a:r>
             <a:r>
-              <a:rPr lang="en-US" sz="2800">
-                <a:solidFill>
-                  <a:schemeClr val="accent1"/>
-                </a:solidFill>
+              <a:rPr lang="en-US" sz="2800" dirty="0">
                 <a:highlight>
                   <a:srgbClr val="FFFF00"/>
                 </a:highlight>
               </a:rPr>
-              <a:t>custom and proprietary</a:t>
-            </a:r>
-            <a:r>
-              <a:rPr lang="en-US" sz="2800">
-                <a:solidFill>
-                  <a:schemeClr val="accent1"/>
-                </a:solidFill>
-              </a:rPr>
-              <a:t> </a:t>
-            </a:r>
-            <a:r>
-              <a:rPr lang="en-US" sz="2800">
+              <a:t>custom data</a:t>
+            </a:r>
+            <a:r>
+              <a:rPr lang="en-US" sz="2800" dirty="0">
                 <a:solidFill>
                   <a:schemeClr val="bg1"/>
                 </a:solidFill>
               </a:rPr>
-              <a:t>data.</a:t>
+              <a:t>.</a:t>
             </a:r>
           </a:p>
           <a:p>
@@ -13657,7 +13648,7 @@
             </a:pPr>
             <a:r>
               <a:rPr lang="en-US" sz="1700" dirty="0"/>
-              <a:t>OpenAI ChatGPT.</a:t>
+              <a:t>OpenAI GPT-4o.</a:t>
             </a:r>
           </a:p>
           <a:p>
@@ -13682,12 +13673,8 @@
               </a:lnSpc>
             </a:pPr>
             <a:r>
-              <a:rPr lang="en-US" sz="1700" dirty="0" err="1"/>
-              <a:t>Langchain</a:t>
-            </a:r>
-            <a:r>
               <a:rPr lang="en-US" sz="1700" dirty="0"/>
-              <a:t>, a Python library to orchestrate chat-oriented applications. </a:t>
+              <a:t>Prompt tuning.</a:t>
             </a:r>
           </a:p>
           <a:p>
@@ -13840,6 +13827,341 @@
 </file>
 
 <file path=ppt/slides/slide4.xml><?xml version="1.0" encoding="utf-8"?>
+<p:sld xmlns:a="http://schemas.openxmlformats.org/drawingml/2006/main" xmlns:r="http://schemas.openxmlformats.org/officeDocument/2006/relationships" xmlns:p="http://schemas.openxmlformats.org/presentationml/2006/main">
+  <p:cSld>
+    <p:spTree>
+      <p:nvGrpSpPr>
+        <p:cNvPr id="1" name=""/>
+        <p:cNvGrpSpPr/>
+        <p:nvPr/>
+      </p:nvGrpSpPr>
+      <p:grpSpPr>
+        <a:xfrm>
+          <a:off x="0" y="0"/>
+          <a:ext cx="0" cy="0"/>
+          <a:chOff x="0" y="0"/>
+          <a:chExt cx="0" cy="0"/>
+        </a:xfrm>
+      </p:grpSpPr>
+      <p:sp>
+        <p:nvSpPr>
+          <p:cNvPr id="2" name="Title 1">
+            <a:extLst>
+              <a:ext uri="{FF2B5EF4-FFF2-40B4-BE49-F238E27FC236}">
+                <a16:creationId xmlns:a16="http://schemas.microsoft.com/office/drawing/2014/main" id="{4327DCCF-5923-E84F-8253-206CED8DE8D5}"/>
+              </a:ext>
+            </a:extLst>
+          </p:cNvPr>
+          <p:cNvSpPr>
+            <a:spLocks noGrp="1"/>
+          </p:cNvSpPr>
+          <p:nvPr>
+            <p:ph type="title"/>
+          </p:nvPr>
+        </p:nvSpPr>
+        <p:spPr/>
+        <p:txBody>
+          <a:bodyPr/>
+          <a:lstStyle/>
+          <a:p>
+            <a:r>
+              <a:rPr lang="en-US" dirty="0"/>
+              <a:t>ChatGPT vs MSL Companion</a:t>
+            </a:r>
+          </a:p>
+        </p:txBody>
+      </p:sp>
+      <p:sp>
+        <p:nvSpPr>
+          <p:cNvPr id="3" name="Content Placeholder 2">
+            <a:extLst>
+              <a:ext uri="{FF2B5EF4-FFF2-40B4-BE49-F238E27FC236}">
+                <a16:creationId xmlns:a16="http://schemas.microsoft.com/office/drawing/2014/main" id="{ED2D6807-9CB8-ACF8-4E23-D00593D0E311}"/>
+              </a:ext>
+            </a:extLst>
+          </p:cNvPr>
+          <p:cNvSpPr>
+            <a:spLocks noGrp="1"/>
+          </p:cNvSpPr>
+          <p:nvPr>
+            <p:ph sz="half" idx="1"/>
+          </p:nvPr>
+        </p:nvSpPr>
+        <p:spPr/>
+        <p:txBody>
+          <a:bodyPr/>
+          <a:lstStyle/>
+          <a:p>
+            <a:pPr marL="0" indent="0">
+              <a:buNone/>
+            </a:pPr>
+            <a:r>
+              <a:rPr lang="en-US" dirty="0"/>
+              <a:t>Data aligned to the need and use of the MSL team at BMS.</a:t>
+            </a:r>
+          </a:p>
+        </p:txBody>
+      </p:sp>
+      <p:sp>
+        <p:nvSpPr>
+          <p:cNvPr id="4" name="Content Placeholder 3">
+            <a:extLst>
+              <a:ext uri="{FF2B5EF4-FFF2-40B4-BE49-F238E27FC236}">
+                <a16:creationId xmlns:a16="http://schemas.microsoft.com/office/drawing/2014/main" id="{DF55277F-4A42-0365-7132-0EF41CB390A0}"/>
+              </a:ext>
+            </a:extLst>
+          </p:cNvPr>
+          <p:cNvSpPr>
+            <a:spLocks noGrp="1"/>
+          </p:cNvSpPr>
+          <p:nvPr>
+            <p:ph sz="half" idx="2"/>
+          </p:nvPr>
+        </p:nvSpPr>
+        <p:spPr/>
+        <p:txBody>
+          <a:bodyPr/>
+          <a:lstStyle/>
+          <a:p>
+            <a:pPr marL="0" indent="0">
+              <a:buNone/>
+            </a:pPr>
+            <a:r>
+              <a:rPr lang="en-US" dirty="0"/>
+              <a:t>Minimize model hallucinations.</a:t>
+            </a:r>
+          </a:p>
+        </p:txBody>
+      </p:sp>
+      <p:sp>
+        <p:nvSpPr>
+          <p:cNvPr id="5" name="Content Placeholder 4">
+            <a:extLst>
+              <a:ext uri="{FF2B5EF4-FFF2-40B4-BE49-F238E27FC236}">
+                <a16:creationId xmlns:a16="http://schemas.microsoft.com/office/drawing/2014/main" id="{11CC5BA4-4530-61A4-A728-16AF54B61E2D}"/>
+              </a:ext>
+            </a:extLst>
+          </p:cNvPr>
+          <p:cNvSpPr>
+            <a:spLocks noGrp="1"/>
+          </p:cNvSpPr>
+          <p:nvPr>
+            <p:ph sz="quarter" idx="13"/>
+          </p:nvPr>
+        </p:nvSpPr>
+        <p:spPr/>
+        <p:txBody>
+          <a:bodyPr/>
+          <a:lstStyle/>
+          <a:p>
+            <a:pPr marL="0" indent="0">
+              <a:buNone/>
+            </a:pPr>
+            <a:r>
+              <a:rPr lang="en-US" dirty="0"/>
+              <a:t>Ability to introduce business specific logic.</a:t>
+            </a:r>
+          </a:p>
+        </p:txBody>
+      </p:sp>
+      <p:sp>
+        <p:nvSpPr>
+          <p:cNvPr id="6" name="Slide Number Placeholder 5">
+            <a:extLst>
+              <a:ext uri="{FF2B5EF4-FFF2-40B4-BE49-F238E27FC236}">
+                <a16:creationId xmlns:a16="http://schemas.microsoft.com/office/drawing/2014/main" id="{F74E42F1-FD8A-7EC5-7074-D3877F43FE91}"/>
+              </a:ext>
+            </a:extLst>
+          </p:cNvPr>
+          <p:cNvSpPr>
+            <a:spLocks noGrp="1"/>
+          </p:cNvSpPr>
+          <p:nvPr>
+            <p:ph type="sldNum" sz="quarter" idx="12"/>
+          </p:nvPr>
+        </p:nvSpPr>
+        <p:spPr/>
+        <p:txBody>
+          <a:bodyPr/>
+          <a:lstStyle/>
+          <a:p>
+            <a:fld id="{B58DE5F1-E0F9-4CCA-92B7-7A6FC4DFEE14}" type="slidenum">
+              <a:rPr lang="en-US" smtClean="0"/>
+              <a:t>4</a:t>
+            </a:fld>
+            <a:endParaRPr lang="en-US"/>
+          </a:p>
+        </p:txBody>
+      </p:sp>
+    </p:spTree>
+    <p:extLst>
+      <p:ext uri="{BB962C8B-B14F-4D97-AF65-F5344CB8AC3E}">
+        <p14:creationId xmlns:p14="http://schemas.microsoft.com/office/powerpoint/2010/main" val="2494598382"/>
+      </p:ext>
+    </p:extLst>
+  </p:cSld>
+  <p:clrMapOvr>
+    <a:masterClrMapping/>
+  </p:clrMapOvr>
+  <mc:AlternateContent xmlns:mc="http://schemas.openxmlformats.org/markup-compatibility/2006" xmlns:p14="http://schemas.microsoft.com/office/powerpoint/2010/main">
+    <mc:Choice Requires="p14">
+      <p:transition spd="med" p14:dur="700">
+        <p:fade/>
+      </p:transition>
+    </mc:Choice>
+    <mc:Fallback xmlns="">
+      <p:transition spd="med">
+        <p:fade/>
+      </p:transition>
+    </mc:Fallback>
+  </mc:AlternateContent>
+</p:sld>
+</file>
+
+<file path=ppt/slides/slide5.xml><?xml version="1.0" encoding="utf-8"?>
+<p:sld xmlns:a="http://schemas.openxmlformats.org/drawingml/2006/main" xmlns:r="http://schemas.openxmlformats.org/officeDocument/2006/relationships" xmlns:p="http://schemas.openxmlformats.org/presentationml/2006/main">
+  <p:cSld>
+    <p:spTree>
+      <p:nvGrpSpPr>
+        <p:cNvPr id="1" name=""/>
+        <p:cNvGrpSpPr/>
+        <p:nvPr/>
+      </p:nvGrpSpPr>
+      <p:grpSpPr>
+        <a:xfrm>
+          <a:off x="0" y="0"/>
+          <a:ext cx="0" cy="0"/>
+          <a:chOff x="0" y="0"/>
+          <a:chExt cx="0" cy="0"/>
+        </a:xfrm>
+      </p:grpSpPr>
+      <p:sp>
+        <p:nvSpPr>
+          <p:cNvPr id="2" name="Title 1">
+            <a:extLst>
+              <a:ext uri="{FF2B5EF4-FFF2-40B4-BE49-F238E27FC236}">
+                <a16:creationId xmlns:a16="http://schemas.microsoft.com/office/drawing/2014/main" id="{21F314ED-2F63-194B-070D-7B2049B1B85A}"/>
+              </a:ext>
+            </a:extLst>
+          </p:cNvPr>
+          <p:cNvSpPr>
+            <a:spLocks noGrp="1"/>
+          </p:cNvSpPr>
+          <p:nvPr>
+            <p:ph type="title"/>
+          </p:nvPr>
+        </p:nvSpPr>
+        <p:spPr/>
+        <p:txBody>
+          <a:bodyPr/>
+          <a:lstStyle/>
+          <a:p>
+            <a:r>
+              <a:rPr lang="en-US" dirty="0"/>
+              <a:t>Future Potential Enhancements</a:t>
+            </a:r>
+          </a:p>
+        </p:txBody>
+      </p:sp>
+      <p:sp>
+        <p:nvSpPr>
+          <p:cNvPr id="3" name="Content Placeholder 2">
+            <a:extLst>
+              <a:ext uri="{FF2B5EF4-FFF2-40B4-BE49-F238E27FC236}">
+                <a16:creationId xmlns:a16="http://schemas.microsoft.com/office/drawing/2014/main" id="{BC56FFB3-E09A-3921-A87B-74AF88A3C7CB}"/>
+              </a:ext>
+            </a:extLst>
+          </p:cNvPr>
+          <p:cNvSpPr>
+            <a:spLocks noGrp="1"/>
+          </p:cNvSpPr>
+          <p:nvPr>
+            <p:ph idx="1"/>
+          </p:nvPr>
+        </p:nvSpPr>
+        <p:spPr/>
+        <p:txBody>
+          <a:bodyPr/>
+          <a:lstStyle/>
+          <a:p>
+            <a:r>
+              <a:rPr lang="en-US" dirty="0"/>
+              <a:t>Enable open-source models like Llama that can be hosted in-house to limit the risk of proprietary data being sent externally. </a:t>
+            </a:r>
+          </a:p>
+          <a:p>
+            <a:r>
+              <a:rPr lang="en-US" dirty="0"/>
+              <a:t>Enable web links to each source PI.</a:t>
+            </a:r>
+          </a:p>
+          <a:p>
+            <a:r>
+              <a:rPr lang="en-US"/>
+              <a:t>Enable </a:t>
+            </a:r>
+            <a:endParaRPr lang="en-US" dirty="0"/>
+          </a:p>
+          <a:p>
+            <a:endParaRPr lang="en-US" dirty="0"/>
+          </a:p>
+        </p:txBody>
+      </p:sp>
+      <p:sp>
+        <p:nvSpPr>
+          <p:cNvPr id="4" name="Slide Number Placeholder 3">
+            <a:extLst>
+              <a:ext uri="{FF2B5EF4-FFF2-40B4-BE49-F238E27FC236}">
+                <a16:creationId xmlns:a16="http://schemas.microsoft.com/office/drawing/2014/main" id="{B40198B5-643C-1D5D-5D5C-EFA71B1A197C}"/>
+              </a:ext>
+            </a:extLst>
+          </p:cNvPr>
+          <p:cNvSpPr>
+            <a:spLocks noGrp="1"/>
+          </p:cNvSpPr>
+          <p:nvPr>
+            <p:ph type="sldNum" sz="quarter" idx="12"/>
+          </p:nvPr>
+        </p:nvSpPr>
+        <p:spPr/>
+        <p:txBody>
+          <a:bodyPr/>
+          <a:lstStyle/>
+          <a:p>
+            <a:fld id="{B58DE5F1-E0F9-4CCA-92B7-7A6FC4DFEE14}" type="slidenum">
+              <a:rPr lang="en-US" smtClean="0"/>
+              <a:t>5</a:t>
+            </a:fld>
+            <a:endParaRPr lang="en-US"/>
+          </a:p>
+        </p:txBody>
+      </p:sp>
+    </p:spTree>
+    <p:extLst>
+      <p:ext uri="{BB962C8B-B14F-4D97-AF65-F5344CB8AC3E}">
+        <p14:creationId xmlns:p14="http://schemas.microsoft.com/office/powerpoint/2010/main" val="1618677133"/>
+      </p:ext>
+    </p:extLst>
+  </p:cSld>
+  <p:clrMapOvr>
+    <a:masterClrMapping/>
+  </p:clrMapOvr>
+  <mc:AlternateContent xmlns:mc="http://schemas.openxmlformats.org/markup-compatibility/2006" xmlns:p14="http://schemas.microsoft.com/office/powerpoint/2010/main">
+    <mc:Choice Requires="p14">
+      <p:transition spd="med" p14:dur="700">
+        <p:fade/>
+      </p:transition>
+    </mc:Choice>
+    <mc:Fallback xmlns="">
+      <p:transition spd="med">
+        <p:fade/>
+      </p:transition>
+    </mc:Fallback>
+  </mc:AlternateContent>
+</p:sld>
+</file>
+
+<file path=ppt/slides/slide6.xml><?xml version="1.0" encoding="utf-8"?>
 <p:sld xmlns:a="http://schemas.openxmlformats.org/drawingml/2006/main" xmlns:r="http://schemas.openxmlformats.org/officeDocument/2006/relationships" xmlns:p="http://schemas.openxmlformats.org/presentationml/2006/main">
   <p:cSld>
     <p:spTree>
@@ -14690,6 +15012,12 @@
 </file>
 
 <file path=customXml/item1.xml><?xml version="1.0" encoding="utf-8"?>
+<p:properties xmlns:p="http://schemas.microsoft.com/office/2006/metadata/properties" xmlns:xsi="http://www.w3.org/2001/XMLSchema-instance" xmlns:pc="http://schemas.microsoft.com/office/infopath/2007/PartnerControls">
+  <documentManagement/>
+</p:properties>
+</file>
+
+<file path=customXml/item2.xml><?xml version="1.0" encoding="utf-8"?>
 <ct:contentTypeSchema xmlns:ct="http://schemas.microsoft.com/office/2006/metadata/contentType" xmlns:ma="http://schemas.microsoft.com/office/2006/metadata/properties/metaAttributes" ct:_="" ma:_="" ma:contentTypeName="Document" ma:contentTypeID="0x010100B1B9754C4B43054D988D9B81C3214548" ma:contentTypeVersion="4" ma:contentTypeDescription="Create a new document." ma:contentTypeScope="" ma:versionID="dc8d208ac27287993e1e0b12aad31131">
   <xsd:schema xmlns:xsd="http://www.w3.org/2001/XMLSchema" xmlns:xs="http://www.w3.org/2001/XMLSchema" xmlns:p="http://schemas.microsoft.com/office/2006/metadata/properties" xmlns:ns2="ca98b4d8-1747-4b28-9733-c8d9fea40dce" targetNamespace="http://schemas.microsoft.com/office/2006/metadata/properties" ma:root="true" ma:fieldsID="525ac1188b81648aa45e4461ad8a844c" ns2:_="">
     <xsd:import namespace="ca98b4d8-1747-4b28-9733-c8d9fea40dce"/>
@@ -14835,12 +15163,6 @@
 </ct:contentTypeSchema>
 </file>
 
-<file path=customXml/item2.xml><?xml version="1.0" encoding="utf-8"?>
-<p:properties xmlns:p="http://schemas.microsoft.com/office/2006/metadata/properties" xmlns:xsi="http://www.w3.org/2001/XMLSchema-instance" xmlns:pc="http://schemas.microsoft.com/office/infopath/2007/PartnerControls">
-  <documentManagement/>
-</p:properties>
-</file>
-
 <file path=customXml/item3.xml><?xml version="1.0" encoding="utf-8"?>
 <?mso-contentType ?>
 <FormTemplates xmlns="http://schemas.microsoft.com/sharepoint/v3/contenttype/forms">
@@ -14851,6 +15173,22 @@
 </file>
 
 <file path=customXml/itemProps1.xml><?xml version="1.0" encoding="utf-8"?>
+<ds:datastoreItem xmlns:ds="http://schemas.openxmlformats.org/officeDocument/2006/customXml" ds:itemID="{CCB00162-309F-4D1B-8754-18FAD4441E48}">
+  <ds:schemaRefs>
+    <ds:schemaRef ds:uri="ca98b4d8-1747-4b28-9733-c8d9fea40dce"/>
+    <ds:schemaRef ds:uri="http://purl.org/dc/dcmitype/"/>
+    <ds:schemaRef ds:uri="http://purl.org/dc/elements/1.1/"/>
+    <ds:schemaRef ds:uri="http://purl.org/dc/terms/"/>
+    <ds:schemaRef ds:uri="http://schemas.microsoft.com/office/2006/documentManagement/types"/>
+    <ds:schemaRef ds:uri="http://schemas.microsoft.com/office/2006/metadata/properties"/>
+    <ds:schemaRef ds:uri="http://schemas.microsoft.com/office/infopath/2007/PartnerControls"/>
+    <ds:schemaRef ds:uri="http://schemas.openxmlformats.org/package/2006/metadata/core-properties"/>
+    <ds:schemaRef ds:uri="http://www.w3.org/XML/1998/namespace"/>
+  </ds:schemaRefs>
+</ds:datastoreItem>
+</file>
+
+<file path=customXml/itemProps2.xml><?xml version="1.0" encoding="utf-8"?>
 <ds:datastoreItem xmlns:ds="http://schemas.openxmlformats.org/officeDocument/2006/customXml" ds:itemID="{9DC248F9-A2B3-45DC-BA51-51E7E0F20631}">
   <ds:schemaRefs>
     <ds:schemaRef ds:uri="ca98b4d8-1747-4b28-9733-c8d9fea40dce"/>
@@ -14868,22 +15206,6 @@
 </ds:datastoreItem>
 </file>
 
-<file path=customXml/itemProps2.xml><?xml version="1.0" encoding="utf-8"?>
-<ds:datastoreItem xmlns:ds="http://schemas.openxmlformats.org/officeDocument/2006/customXml" ds:itemID="{CCB00162-309F-4D1B-8754-18FAD4441E48}">
-  <ds:schemaRefs>
-    <ds:schemaRef ds:uri="ca98b4d8-1747-4b28-9733-c8d9fea40dce"/>
-    <ds:schemaRef ds:uri="http://purl.org/dc/dcmitype/"/>
-    <ds:schemaRef ds:uri="http://purl.org/dc/elements/1.1/"/>
-    <ds:schemaRef ds:uri="http://purl.org/dc/terms/"/>
-    <ds:schemaRef ds:uri="http://schemas.microsoft.com/office/2006/documentManagement/types"/>
-    <ds:schemaRef ds:uri="http://schemas.microsoft.com/office/2006/metadata/properties"/>
-    <ds:schemaRef ds:uri="http://schemas.microsoft.com/office/infopath/2007/PartnerControls"/>
-    <ds:schemaRef ds:uri="http://schemas.openxmlformats.org/package/2006/metadata/core-properties"/>
-    <ds:schemaRef ds:uri="http://www.w3.org/XML/1998/namespace"/>
-  </ds:schemaRefs>
-</ds:datastoreItem>
-</file>
-
 <file path=customXml/itemProps3.xml><?xml version="1.0" encoding="utf-8"?>
 <ds:datastoreItem xmlns:ds="http://schemas.openxmlformats.org/officeDocument/2006/customXml" ds:itemID="{C1E69F9A-4417-4DBD-980A-BB1D5C479E92}">
   <ds:schemaRefs>

--- a/ppt/msl-companion.pptx
+++ b/ppt/msl-companion.pptx
@@ -5,18 +5,21 @@
     <p:sldMasterId id="2147483648" r:id="rId4"/>
   </p:sldMasterIdLst>
   <p:notesMasterIdLst>
-    <p:notesMasterId r:id="rId11"/>
+    <p:notesMasterId r:id="rId14"/>
   </p:notesMasterIdLst>
   <p:handoutMasterIdLst>
-    <p:handoutMasterId r:id="rId12"/>
+    <p:handoutMasterId r:id="rId15"/>
   </p:handoutMasterIdLst>
   <p:sldIdLst>
     <p:sldId id="3964" r:id="rId5"/>
     <p:sldId id="3960" r:id="rId6"/>
     <p:sldId id="3966" r:id="rId7"/>
-    <p:sldId id="3967" r:id="rId8"/>
-    <p:sldId id="3969" r:id="rId9"/>
-    <p:sldId id="3965" r:id="rId10"/>
+    <p:sldId id="3974" r:id="rId8"/>
+    <p:sldId id="3971" r:id="rId9"/>
+    <p:sldId id="3972" r:id="rId10"/>
+    <p:sldId id="3973" r:id="rId11"/>
+    <p:sldId id="3969" r:id="rId12"/>
+    <p:sldId id="3965" r:id="rId13"/>
   </p:sldIdLst>
   <p:sldSz cx="12192000" cy="6858000"/>
   <p:notesSz cx="6858000" cy="9144000"/>
@@ -737,6 +740,390 @@
     </a:lvl9pPr>
   </p:notesStyle>
 </p:notesMaster>
+</file>
+
+<file path=ppt/notesSlides/notesSlide1.xml><?xml version="1.0" encoding="utf-8"?>
+<p:notes xmlns:a="http://schemas.openxmlformats.org/drawingml/2006/main" xmlns:r="http://schemas.openxmlformats.org/officeDocument/2006/relationships" xmlns:p="http://schemas.openxmlformats.org/presentationml/2006/main">
+  <p:cSld>
+    <p:spTree>
+      <p:nvGrpSpPr>
+        <p:cNvPr id="1" name=""/>
+        <p:cNvGrpSpPr/>
+        <p:nvPr/>
+      </p:nvGrpSpPr>
+      <p:grpSpPr>
+        <a:xfrm>
+          <a:off x="0" y="0"/>
+          <a:ext cx="0" cy="0"/>
+          <a:chOff x="0" y="0"/>
+          <a:chExt cx="0" cy="0"/>
+        </a:xfrm>
+      </p:grpSpPr>
+      <p:sp>
+        <p:nvSpPr>
+          <p:cNvPr id="2" name="Slide Image Placeholder 1"/>
+          <p:cNvSpPr>
+            <a:spLocks noGrp="1" noRot="1" noChangeAspect="1"/>
+          </p:cNvSpPr>
+          <p:nvPr>
+            <p:ph type="sldImg"/>
+          </p:nvPr>
+        </p:nvSpPr>
+        <p:spPr/>
+      </p:sp>
+      <p:sp>
+        <p:nvSpPr>
+          <p:cNvPr id="3" name="Notes Placeholder 2"/>
+          <p:cNvSpPr>
+            <a:spLocks noGrp="1"/>
+          </p:cNvSpPr>
+          <p:nvPr>
+            <p:ph type="body" idx="1"/>
+          </p:nvPr>
+        </p:nvSpPr>
+        <p:spPr/>
+        <p:txBody>
+          <a:bodyPr/>
+          <a:lstStyle/>
+          <a:p>
+            <a:endParaRPr lang="en-US" dirty="0"/>
+          </a:p>
+        </p:txBody>
+      </p:sp>
+      <p:sp>
+        <p:nvSpPr>
+          <p:cNvPr id="4" name="Slide Number Placeholder 3"/>
+          <p:cNvSpPr>
+            <a:spLocks noGrp="1"/>
+          </p:cNvSpPr>
+          <p:nvPr>
+            <p:ph type="sldNum" sz="quarter" idx="5"/>
+          </p:nvPr>
+        </p:nvSpPr>
+        <p:spPr/>
+        <p:txBody>
+          <a:bodyPr/>
+          <a:lstStyle/>
+          <a:p>
+            <a:fld id="{91CB8535-DC0F-AF47-A510-8461A80C06B7}" type="slidenum">
+              <a:rPr lang="en-US" smtClean="0"/>
+              <a:t>3</a:t>
+            </a:fld>
+            <a:endParaRPr lang="en-US"/>
+          </a:p>
+        </p:txBody>
+      </p:sp>
+    </p:spTree>
+    <p:extLst>
+      <p:ext uri="{BB962C8B-B14F-4D97-AF65-F5344CB8AC3E}">
+        <p14:creationId xmlns:p14="http://schemas.microsoft.com/office/powerpoint/2010/main" val="3859584990"/>
+      </p:ext>
+    </p:extLst>
+  </p:cSld>
+  <p:clrMapOvr>
+    <a:masterClrMapping/>
+  </p:clrMapOvr>
+</p:notes>
+</file>
+
+<file path=ppt/notesSlides/notesSlide2.xml><?xml version="1.0" encoding="utf-8"?>
+<p:notes xmlns:a="http://schemas.openxmlformats.org/drawingml/2006/main" xmlns:r="http://schemas.openxmlformats.org/officeDocument/2006/relationships" xmlns:p="http://schemas.openxmlformats.org/presentationml/2006/main">
+  <p:cSld>
+    <p:spTree>
+      <p:nvGrpSpPr>
+        <p:cNvPr id="1" name=""/>
+        <p:cNvGrpSpPr/>
+        <p:nvPr/>
+      </p:nvGrpSpPr>
+      <p:grpSpPr>
+        <a:xfrm>
+          <a:off x="0" y="0"/>
+          <a:ext cx="0" cy="0"/>
+          <a:chOff x="0" y="0"/>
+          <a:chExt cx="0" cy="0"/>
+        </a:xfrm>
+      </p:grpSpPr>
+      <p:sp>
+        <p:nvSpPr>
+          <p:cNvPr id="2" name="Slide Image Placeholder 1"/>
+          <p:cNvSpPr>
+            <a:spLocks noGrp="1" noRot="1" noChangeAspect="1"/>
+          </p:cNvSpPr>
+          <p:nvPr>
+            <p:ph type="sldImg"/>
+          </p:nvPr>
+        </p:nvSpPr>
+        <p:spPr/>
+      </p:sp>
+      <p:sp>
+        <p:nvSpPr>
+          <p:cNvPr id="3" name="Notes Placeholder 2"/>
+          <p:cNvSpPr>
+            <a:spLocks noGrp="1"/>
+          </p:cNvSpPr>
+          <p:nvPr>
+            <p:ph type="body" idx="1"/>
+          </p:nvPr>
+        </p:nvSpPr>
+        <p:spPr/>
+        <p:txBody>
+          <a:bodyPr/>
+          <a:lstStyle/>
+          <a:p>
+            <a:endParaRPr lang="en-US" dirty="0"/>
+          </a:p>
+        </p:txBody>
+      </p:sp>
+      <p:sp>
+        <p:nvSpPr>
+          <p:cNvPr id="4" name="Slide Number Placeholder 3"/>
+          <p:cNvSpPr>
+            <a:spLocks noGrp="1"/>
+          </p:cNvSpPr>
+          <p:nvPr>
+            <p:ph type="sldNum" sz="quarter" idx="5"/>
+          </p:nvPr>
+        </p:nvSpPr>
+        <p:spPr/>
+        <p:txBody>
+          <a:bodyPr/>
+          <a:lstStyle/>
+          <a:p>
+            <a:fld id="{91CB8535-DC0F-AF47-A510-8461A80C06B7}" type="slidenum">
+              <a:rPr lang="en-US" smtClean="0"/>
+              <a:t>5</a:t>
+            </a:fld>
+            <a:endParaRPr lang="en-US"/>
+          </a:p>
+        </p:txBody>
+      </p:sp>
+    </p:spTree>
+    <p:extLst>
+      <p:ext uri="{BB962C8B-B14F-4D97-AF65-F5344CB8AC3E}">
+        <p14:creationId xmlns:p14="http://schemas.microsoft.com/office/powerpoint/2010/main" val="3578634517"/>
+      </p:ext>
+    </p:extLst>
+  </p:cSld>
+  <p:clrMapOvr>
+    <a:masterClrMapping/>
+  </p:clrMapOvr>
+</p:notes>
+</file>
+
+<file path=ppt/notesSlides/notesSlide3.xml><?xml version="1.0" encoding="utf-8"?>
+<p:notes xmlns:a="http://schemas.openxmlformats.org/drawingml/2006/main" xmlns:r="http://schemas.openxmlformats.org/officeDocument/2006/relationships" xmlns:p="http://schemas.openxmlformats.org/presentationml/2006/main">
+  <p:cSld>
+    <p:spTree>
+      <p:nvGrpSpPr>
+        <p:cNvPr id="1" name="">
+          <a:extLst>
+            <a:ext uri="{FF2B5EF4-FFF2-40B4-BE49-F238E27FC236}">
+              <a16:creationId xmlns:a16="http://schemas.microsoft.com/office/drawing/2014/main" id="{C8745C69-5A03-FC8A-4575-61646AD3B257}"/>
+            </a:ext>
+          </a:extLst>
+        </p:cNvPr>
+        <p:cNvGrpSpPr/>
+        <p:nvPr/>
+      </p:nvGrpSpPr>
+      <p:grpSpPr>
+        <a:xfrm>
+          <a:off x="0" y="0"/>
+          <a:ext cx="0" cy="0"/>
+          <a:chOff x="0" y="0"/>
+          <a:chExt cx="0" cy="0"/>
+        </a:xfrm>
+      </p:grpSpPr>
+      <p:sp>
+        <p:nvSpPr>
+          <p:cNvPr id="2" name="Slide Image Placeholder 1">
+            <a:extLst>
+              <a:ext uri="{FF2B5EF4-FFF2-40B4-BE49-F238E27FC236}">
+                <a16:creationId xmlns:a16="http://schemas.microsoft.com/office/drawing/2014/main" id="{D6192BBD-C5F4-70A4-38B7-41E81BF35E99}"/>
+              </a:ext>
+            </a:extLst>
+          </p:cNvPr>
+          <p:cNvSpPr>
+            <a:spLocks noGrp="1" noRot="1" noChangeAspect="1"/>
+          </p:cNvSpPr>
+          <p:nvPr>
+            <p:ph type="sldImg"/>
+          </p:nvPr>
+        </p:nvSpPr>
+        <p:spPr/>
+      </p:sp>
+      <p:sp>
+        <p:nvSpPr>
+          <p:cNvPr id="3" name="Notes Placeholder 2">
+            <a:extLst>
+              <a:ext uri="{FF2B5EF4-FFF2-40B4-BE49-F238E27FC236}">
+                <a16:creationId xmlns:a16="http://schemas.microsoft.com/office/drawing/2014/main" id="{0737357A-CF64-CC55-9325-50A554E6F0B7}"/>
+              </a:ext>
+            </a:extLst>
+          </p:cNvPr>
+          <p:cNvSpPr>
+            <a:spLocks noGrp="1"/>
+          </p:cNvSpPr>
+          <p:nvPr>
+            <p:ph type="body" idx="1"/>
+          </p:nvPr>
+        </p:nvSpPr>
+        <p:spPr/>
+        <p:txBody>
+          <a:bodyPr/>
+          <a:lstStyle/>
+          <a:p>
+            <a:endParaRPr lang="en-US" dirty="0"/>
+          </a:p>
+        </p:txBody>
+      </p:sp>
+      <p:sp>
+        <p:nvSpPr>
+          <p:cNvPr id="4" name="Slide Number Placeholder 3">
+            <a:extLst>
+              <a:ext uri="{FF2B5EF4-FFF2-40B4-BE49-F238E27FC236}">
+                <a16:creationId xmlns:a16="http://schemas.microsoft.com/office/drawing/2014/main" id="{B27A29C1-545E-D071-E92B-2507E72185C0}"/>
+              </a:ext>
+            </a:extLst>
+          </p:cNvPr>
+          <p:cNvSpPr>
+            <a:spLocks noGrp="1"/>
+          </p:cNvSpPr>
+          <p:nvPr>
+            <p:ph type="sldNum" sz="quarter" idx="5"/>
+          </p:nvPr>
+        </p:nvSpPr>
+        <p:spPr/>
+        <p:txBody>
+          <a:bodyPr/>
+          <a:lstStyle/>
+          <a:p>
+            <a:fld id="{91CB8535-DC0F-AF47-A510-8461A80C06B7}" type="slidenum">
+              <a:rPr lang="en-US" smtClean="0"/>
+              <a:t>6</a:t>
+            </a:fld>
+            <a:endParaRPr lang="en-US"/>
+          </a:p>
+        </p:txBody>
+      </p:sp>
+    </p:spTree>
+    <p:extLst>
+      <p:ext uri="{BB962C8B-B14F-4D97-AF65-F5344CB8AC3E}">
+        <p14:creationId xmlns:p14="http://schemas.microsoft.com/office/powerpoint/2010/main" val="874474732"/>
+      </p:ext>
+    </p:extLst>
+  </p:cSld>
+  <p:clrMapOvr>
+    <a:masterClrMapping/>
+  </p:clrMapOvr>
+</p:notes>
+</file>
+
+<file path=ppt/notesSlides/notesSlide4.xml><?xml version="1.0" encoding="utf-8"?>
+<p:notes xmlns:a="http://schemas.openxmlformats.org/drawingml/2006/main" xmlns:r="http://schemas.openxmlformats.org/officeDocument/2006/relationships" xmlns:p="http://schemas.openxmlformats.org/presentationml/2006/main">
+  <p:cSld>
+    <p:spTree>
+      <p:nvGrpSpPr>
+        <p:cNvPr id="1" name="">
+          <a:extLst>
+            <a:ext uri="{FF2B5EF4-FFF2-40B4-BE49-F238E27FC236}">
+              <a16:creationId xmlns:a16="http://schemas.microsoft.com/office/drawing/2014/main" id="{A342F3B8-5DAD-D29F-A282-EF960144098F}"/>
+            </a:ext>
+          </a:extLst>
+        </p:cNvPr>
+        <p:cNvGrpSpPr/>
+        <p:nvPr/>
+      </p:nvGrpSpPr>
+      <p:grpSpPr>
+        <a:xfrm>
+          <a:off x="0" y="0"/>
+          <a:ext cx="0" cy="0"/>
+          <a:chOff x="0" y="0"/>
+          <a:chExt cx="0" cy="0"/>
+        </a:xfrm>
+      </p:grpSpPr>
+      <p:sp>
+        <p:nvSpPr>
+          <p:cNvPr id="2" name="Slide Image Placeholder 1">
+            <a:extLst>
+              <a:ext uri="{FF2B5EF4-FFF2-40B4-BE49-F238E27FC236}">
+                <a16:creationId xmlns:a16="http://schemas.microsoft.com/office/drawing/2014/main" id="{8582CBB1-DC25-D176-E260-C470D01AA425}"/>
+              </a:ext>
+            </a:extLst>
+          </p:cNvPr>
+          <p:cNvSpPr>
+            <a:spLocks noGrp="1" noRot="1" noChangeAspect="1"/>
+          </p:cNvSpPr>
+          <p:nvPr>
+            <p:ph type="sldImg"/>
+          </p:nvPr>
+        </p:nvSpPr>
+        <p:spPr/>
+      </p:sp>
+      <p:sp>
+        <p:nvSpPr>
+          <p:cNvPr id="3" name="Notes Placeholder 2">
+            <a:extLst>
+              <a:ext uri="{FF2B5EF4-FFF2-40B4-BE49-F238E27FC236}">
+                <a16:creationId xmlns:a16="http://schemas.microsoft.com/office/drawing/2014/main" id="{20387FAB-3D72-FEE4-9DE6-AFAB54B61781}"/>
+              </a:ext>
+            </a:extLst>
+          </p:cNvPr>
+          <p:cNvSpPr>
+            <a:spLocks noGrp="1"/>
+          </p:cNvSpPr>
+          <p:nvPr>
+            <p:ph type="body" idx="1"/>
+          </p:nvPr>
+        </p:nvSpPr>
+        <p:spPr/>
+        <p:txBody>
+          <a:bodyPr/>
+          <a:lstStyle/>
+          <a:p>
+            <a:endParaRPr lang="en-US" dirty="0"/>
+          </a:p>
+        </p:txBody>
+      </p:sp>
+      <p:sp>
+        <p:nvSpPr>
+          <p:cNvPr id="4" name="Slide Number Placeholder 3">
+            <a:extLst>
+              <a:ext uri="{FF2B5EF4-FFF2-40B4-BE49-F238E27FC236}">
+                <a16:creationId xmlns:a16="http://schemas.microsoft.com/office/drawing/2014/main" id="{A2F88412-F6A4-8E5E-91C4-C4252E7B2630}"/>
+              </a:ext>
+            </a:extLst>
+          </p:cNvPr>
+          <p:cNvSpPr>
+            <a:spLocks noGrp="1"/>
+          </p:cNvSpPr>
+          <p:nvPr>
+            <p:ph type="sldNum" sz="quarter" idx="5"/>
+          </p:nvPr>
+        </p:nvSpPr>
+        <p:spPr/>
+        <p:txBody>
+          <a:bodyPr/>
+          <a:lstStyle/>
+          <a:p>
+            <a:fld id="{91CB8535-DC0F-AF47-A510-8461A80C06B7}" type="slidenum">
+              <a:rPr lang="en-US" smtClean="0"/>
+              <a:t>7</a:t>
+            </a:fld>
+            <a:endParaRPr lang="en-US"/>
+          </a:p>
+        </p:txBody>
+      </p:sp>
+    </p:spTree>
+    <p:extLst>
+      <p:ext uri="{BB962C8B-B14F-4D97-AF65-F5344CB8AC3E}">
+        <p14:creationId xmlns:p14="http://schemas.microsoft.com/office/powerpoint/2010/main" val="3816685878"/>
+      </p:ext>
+    </p:extLst>
+  </p:cSld>
+  <p:clrMapOvr>
+    <a:masterClrMapping/>
+  </p:clrMapOvr>
+</p:notes>
 </file>
 
 <file path=ppt/slideLayouts/slideLayout1.xml><?xml version="1.0" encoding="utf-8"?>
@@ -13609,8 +13996,8 @@
         </p:nvSpPr>
         <p:spPr>
           <a:xfrm>
-            <a:off x="365760" y="1554480"/>
-            <a:ext cx="3618992" cy="4572000"/>
+            <a:off x="365760" y="1280160"/>
+            <a:ext cx="6274883" cy="4846320"/>
           </a:xfrm>
         </p:spPr>
         <p:txBody>
@@ -13619,118 +14006,96 @@
           </a:bodyPr>
           <a:lstStyle/>
           <a:p>
-            <a:pPr>
-              <a:lnSpc>
-                <a:spcPct val="90000"/>
-              </a:lnSpc>
+            <a:pPr marL="0" indent="0">
+              <a:buNone/>
             </a:pPr>
             <a:r>
-              <a:rPr lang="en-US" sz="1700" dirty="0"/>
-              <a:t>A web-based solution implemented using:</a:t>
-            </a:r>
-          </a:p>
-          <a:p>
-            <a:pPr lvl="1">
-              <a:lnSpc>
-                <a:spcPct val="90000"/>
-              </a:lnSpc>
+              <a:rPr lang="en-US" i="1" dirty="0"/>
+              <a:t>MSL Companion </a:t>
+            </a:r>
+            <a:r>
+              <a:rPr lang="en-US" dirty="0"/>
+              <a:t>can make indication information available at the fingertips.</a:t>
+            </a:r>
+          </a:p>
+          <a:p>
+            <a:endParaRPr lang="en-US" dirty="0"/>
+          </a:p>
+          <a:p>
+            <a:pPr marL="0" indent="0">
+              <a:buNone/>
             </a:pPr>
             <a:r>
-              <a:rPr lang="en-US" sz="1700" dirty="0"/>
+              <a:rPr lang="en-US" dirty="0"/>
+              <a:t>A web-based solution using the latest technology:</a:t>
+            </a:r>
+          </a:p>
+          <a:p>
+            <a:pPr lvl="1"/>
+            <a:r>
+              <a:rPr lang="en-US" dirty="0"/>
               <a:t>Python</a:t>
             </a:r>
           </a:p>
           <a:p>
-            <a:pPr lvl="1">
-              <a:lnSpc>
-                <a:spcPct val="90000"/>
-              </a:lnSpc>
+            <a:pPr lvl="1"/>
+            <a:r>
+              <a:rPr lang="en-US" dirty="0" err="1"/>
+              <a:t>Streamlit.io</a:t>
+            </a:r>
+            <a:r>
+              <a:rPr lang="en-US" dirty="0"/>
+              <a:t>, a Python library to build data apps.</a:t>
+            </a:r>
+          </a:p>
+          <a:p>
+            <a:pPr marL="0" indent="0">
+              <a:buNone/>
             </a:pPr>
             <a:r>
-              <a:rPr lang="en-US" sz="1700" dirty="0"/>
+              <a:rPr lang="en-US" dirty="0"/>
+              <a:t>… and the latest LLM modeling:</a:t>
+            </a:r>
+          </a:p>
+          <a:p>
+            <a:pPr lvl="1"/>
+            <a:r>
+              <a:rPr lang="en-US" dirty="0"/>
               <a:t>OpenAI GPT-4o.</a:t>
             </a:r>
           </a:p>
           <a:p>
-            <a:pPr lvl="1">
-              <a:lnSpc>
-                <a:spcPct val="90000"/>
-              </a:lnSpc>
-            </a:pPr>
-            <a:r>
-              <a:rPr lang="en-US" sz="1700" dirty="0" err="1"/>
-              <a:t>Streamlit.io</a:t>
-            </a:r>
-            <a:r>
-              <a:rPr lang="en-US" sz="1700" dirty="0"/>
-              <a:t>, a Python library to build web-based apps.</a:t>
-            </a:r>
-          </a:p>
-          <a:p>
-            <a:pPr lvl="1">
-              <a:lnSpc>
-                <a:spcPct val="90000"/>
-              </a:lnSpc>
-            </a:pPr>
-            <a:r>
-              <a:rPr lang="en-US" sz="1700" dirty="0"/>
+            <a:pPr lvl="1"/>
+            <a:r>
+              <a:rPr lang="en-US" dirty="0"/>
               <a:t>Prompt tuning.</a:t>
             </a:r>
           </a:p>
           <a:p>
-            <a:pPr lvl="1">
-              <a:lnSpc>
-                <a:spcPct val="90000"/>
-              </a:lnSpc>
-            </a:pPr>
-            <a:r>
-              <a:rPr lang="en-US" sz="1700" dirty="0"/>
-              <a:t>RAG (Retrieval-Augmented Generation) document search, initially top 27 drugs by sales manufactured by BMS.</a:t>
-            </a:r>
-          </a:p>
-          <a:p>
-            <a:pPr>
-              <a:lnSpc>
-                <a:spcPct val="90000"/>
-              </a:lnSpc>
-            </a:pPr>
-            <a:r>
-              <a:rPr lang="en-US" sz="1700" dirty="0"/>
-              <a:t>A tool that showcases specific use cases for MSLs.</a:t>
-            </a:r>
-          </a:p>
-          <a:p>
-            <a:pPr lvl="1">
-              <a:lnSpc>
-                <a:spcPct val="90000"/>
-              </a:lnSpc>
-            </a:pPr>
-            <a:endParaRPr lang="en-US" sz="1700" dirty="0"/>
-          </a:p>
-          <a:p>
-            <a:pPr>
-              <a:lnSpc>
-                <a:spcPct val="90000"/>
-              </a:lnSpc>
-            </a:pPr>
-            <a:endParaRPr lang="en-US" sz="1700" dirty="0"/>
-          </a:p>
-          <a:p>
-            <a:pPr>
-              <a:lnSpc>
-                <a:spcPct val="90000"/>
-              </a:lnSpc>
-            </a:pPr>
-            <a:endParaRPr lang="en-US" sz="1700" dirty="0"/>
+            <a:pPr lvl="1"/>
+            <a:r>
+              <a:rPr lang="en-US" dirty="0"/>
+              <a:t>RAG (Retrieval-Augmented Generation) document search, top 17 drugs manufactured by BMS.</a:t>
+            </a:r>
+          </a:p>
+          <a:p>
+            <a:pPr lvl="1"/>
+            <a:endParaRPr lang="en-US" dirty="0"/>
+          </a:p>
+          <a:p>
+            <a:endParaRPr lang="en-US" dirty="0"/>
+          </a:p>
+          <a:p>
+            <a:endParaRPr lang="en-US" dirty="0"/>
           </a:p>
         </p:txBody>
       </p:sp>
       <p:pic>
         <p:nvPicPr>
-          <p:cNvPr id="9" name="Picture 8" descr="A screenshot of a computer&#10;&#10;Description automatically generated">
-            <a:extLst>
-              <a:ext uri="{FF2B5EF4-FFF2-40B4-BE49-F238E27FC236}">
-                <a16:creationId xmlns:a16="http://schemas.microsoft.com/office/drawing/2014/main" id="{A6CB8291-29D8-7DD3-632A-3E6B447F3085}"/>
+          <p:cNvPr id="17" name="Picture 16" descr="A screenshot of a phone&#10;&#10;Description automatically generated">
+            <a:extLst>
+              <a:ext uri="{FF2B5EF4-FFF2-40B4-BE49-F238E27FC236}">
+                <a16:creationId xmlns:a16="http://schemas.microsoft.com/office/drawing/2014/main" id="{B947947E-F7F2-1230-0A81-BF3ACA0514D1}"/>
               </a:ext>
             </a:extLst>
           </p:cNvPr>
@@ -13740,14 +14105,15 @@
           <p:nvPr/>
         </p:nvPicPr>
         <p:blipFill>
-          <a:blip r:embed="rId2"/>
-          <a:srcRect l="-2" t="4123" b="27163"/>
-          <a:stretch/>
+          <a:blip r:embed="rId3"/>
+          <a:stretch>
+            <a:fillRect/>
+          </a:stretch>
         </p:blipFill>
         <p:spPr>
           <a:xfrm>
-            <a:off x="4286504" y="1554480"/>
-            <a:ext cx="7539736" cy="4572000"/>
+            <a:off x="6837169" y="365760"/>
+            <a:ext cx="5189940" cy="6348550"/>
           </a:xfrm>
           <a:prstGeom prst="rect">
             <a:avLst/>
@@ -13845,10 +14211,10 @@
       </p:grpSpPr>
       <p:sp>
         <p:nvSpPr>
-          <p:cNvPr id="2" name="Title 1">
-            <a:extLst>
-              <a:ext uri="{FF2B5EF4-FFF2-40B4-BE49-F238E27FC236}">
-                <a16:creationId xmlns:a16="http://schemas.microsoft.com/office/drawing/2014/main" id="{4327DCCF-5923-E84F-8253-206CED8DE8D5}"/>
+          <p:cNvPr id="3" name="Title 2">
+            <a:extLst>
+              <a:ext uri="{FF2B5EF4-FFF2-40B4-BE49-F238E27FC236}">
+                <a16:creationId xmlns:a16="http://schemas.microsoft.com/office/drawing/2014/main" id="{11444044-C9D8-23C7-22A8-71744AEFAEC0}"/>
               </a:ext>
             </a:extLst>
           </p:cNvPr>
@@ -13866,110 +14232,17 @@
           <a:p>
             <a:r>
               <a:rPr lang="en-US" dirty="0"/>
-              <a:t>ChatGPT vs MSL Companion</a:t>
-            </a:r>
-          </a:p>
-        </p:txBody>
-      </p:sp>
-      <p:sp>
-        <p:nvSpPr>
-          <p:cNvPr id="3" name="Content Placeholder 2">
-            <a:extLst>
-              <a:ext uri="{FF2B5EF4-FFF2-40B4-BE49-F238E27FC236}">
-                <a16:creationId xmlns:a16="http://schemas.microsoft.com/office/drawing/2014/main" id="{ED2D6807-9CB8-ACF8-4E23-D00593D0E311}"/>
-              </a:ext>
-            </a:extLst>
-          </p:cNvPr>
-          <p:cNvSpPr>
-            <a:spLocks noGrp="1"/>
-          </p:cNvSpPr>
-          <p:nvPr>
-            <p:ph sz="half" idx="1"/>
-          </p:nvPr>
-        </p:nvSpPr>
-        <p:spPr/>
-        <p:txBody>
-          <a:bodyPr/>
-          <a:lstStyle/>
-          <a:p>
-            <a:pPr marL="0" indent="0">
-              <a:buNone/>
-            </a:pPr>
-            <a:r>
-              <a:rPr lang="en-US" dirty="0"/>
-              <a:t>Data aligned to the need and use of the MSL team at BMS.</a:t>
-            </a:r>
-          </a:p>
-        </p:txBody>
-      </p:sp>
-      <p:sp>
-        <p:nvSpPr>
-          <p:cNvPr id="4" name="Content Placeholder 3">
-            <a:extLst>
-              <a:ext uri="{FF2B5EF4-FFF2-40B4-BE49-F238E27FC236}">
-                <a16:creationId xmlns:a16="http://schemas.microsoft.com/office/drawing/2014/main" id="{DF55277F-4A42-0365-7132-0EF41CB390A0}"/>
-              </a:ext>
-            </a:extLst>
-          </p:cNvPr>
-          <p:cNvSpPr>
-            <a:spLocks noGrp="1"/>
-          </p:cNvSpPr>
-          <p:nvPr>
-            <p:ph sz="half" idx="2"/>
-          </p:nvPr>
-        </p:nvSpPr>
-        <p:spPr/>
-        <p:txBody>
-          <a:bodyPr/>
-          <a:lstStyle/>
-          <a:p>
-            <a:pPr marL="0" indent="0">
-              <a:buNone/>
-            </a:pPr>
-            <a:r>
-              <a:rPr lang="en-US" dirty="0"/>
-              <a:t>Minimize model hallucinations.</a:t>
-            </a:r>
-          </a:p>
-        </p:txBody>
-      </p:sp>
-      <p:sp>
-        <p:nvSpPr>
-          <p:cNvPr id="5" name="Content Placeholder 4">
-            <a:extLst>
-              <a:ext uri="{FF2B5EF4-FFF2-40B4-BE49-F238E27FC236}">
-                <a16:creationId xmlns:a16="http://schemas.microsoft.com/office/drawing/2014/main" id="{11CC5BA4-4530-61A4-A728-16AF54B61E2D}"/>
-              </a:ext>
-            </a:extLst>
-          </p:cNvPr>
-          <p:cNvSpPr>
-            <a:spLocks noGrp="1"/>
-          </p:cNvSpPr>
-          <p:nvPr>
-            <p:ph sz="quarter" idx="13"/>
-          </p:nvPr>
-        </p:nvSpPr>
-        <p:spPr/>
-        <p:txBody>
-          <a:bodyPr/>
-          <a:lstStyle/>
-          <a:p>
-            <a:pPr marL="0" indent="0">
-              <a:buNone/>
-            </a:pPr>
-            <a:r>
-              <a:rPr lang="en-US" dirty="0"/>
-              <a:t>Ability to introduce business specific logic.</a:t>
-            </a:r>
-          </a:p>
-        </p:txBody>
-      </p:sp>
-      <p:sp>
-        <p:nvSpPr>
-          <p:cNvPr id="6" name="Slide Number Placeholder 5">
-            <a:extLst>
-              <a:ext uri="{FF2B5EF4-FFF2-40B4-BE49-F238E27FC236}">
-                <a16:creationId xmlns:a16="http://schemas.microsoft.com/office/drawing/2014/main" id="{F74E42F1-FD8A-7EC5-7074-D3877F43FE91}"/>
+              <a:t>Demo &amp; Code Review</a:t>
+            </a:r>
+          </a:p>
+        </p:txBody>
+      </p:sp>
+      <p:sp>
+        <p:nvSpPr>
+          <p:cNvPr id="4" name="Slide Number Placeholder 3">
+            <a:extLst>
+              <a:ext uri="{FF2B5EF4-FFF2-40B4-BE49-F238E27FC236}">
+                <a16:creationId xmlns:a16="http://schemas.microsoft.com/office/drawing/2014/main" id="{2B03AFBC-FB9D-7412-ABC2-72492FCC4005}"/>
               </a:ext>
             </a:extLst>
           </p:cNvPr>
@@ -13996,7 +14269,7 @@
     </p:spTree>
     <p:extLst>
       <p:ext uri="{BB962C8B-B14F-4D97-AF65-F5344CB8AC3E}">
-        <p14:creationId xmlns:p14="http://schemas.microsoft.com/office/powerpoint/2010/main" val="2494598382"/>
+        <p14:creationId xmlns:p14="http://schemas.microsoft.com/office/powerpoint/2010/main" val="36061653"/>
       </p:ext>
     </p:extLst>
   </p:cSld>
@@ -14037,10 +14310,10 @@
       </p:grpSpPr>
       <p:sp>
         <p:nvSpPr>
-          <p:cNvPr id="2" name="Title 1">
-            <a:extLst>
-              <a:ext uri="{FF2B5EF4-FFF2-40B4-BE49-F238E27FC236}">
-                <a16:creationId xmlns:a16="http://schemas.microsoft.com/office/drawing/2014/main" id="{21F314ED-2F63-194B-070D-7B2049B1B85A}"/>
+          <p:cNvPr id="39" name="Title 1">
+            <a:extLst>
+              <a:ext uri="{FF2B5EF4-FFF2-40B4-BE49-F238E27FC236}">
+                <a16:creationId xmlns:a16="http://schemas.microsoft.com/office/drawing/2014/main" id="{4EC45403-D2AF-5D29-EBE7-7E0A2C3C8410}"/>
               </a:ext>
             </a:extLst>
           </p:cNvPr>
@@ -14051,13 +14324,1077 @@
             <p:ph type="title"/>
           </p:nvPr>
         </p:nvSpPr>
-        <p:spPr/>
+        <p:spPr>
+          <a:xfrm>
+            <a:off x="365760" y="365760"/>
+            <a:ext cx="11460480" cy="914400"/>
+          </a:xfrm>
+        </p:spPr>
         <p:txBody>
           <a:bodyPr/>
           <a:lstStyle/>
           <a:p>
             <a:r>
               <a:rPr lang="en-US" dirty="0"/>
+              <a:t>MSL Companion vs ChatGPT:</a:t>
+            </a:r>
+            <a:br>
+              <a:rPr lang="en-US" dirty="0"/>
+            </a:br>
+            <a:r>
+              <a:rPr lang="en-US" dirty="0"/>
+              <a:t>Results Are More Relevant to BMS MSL team</a:t>
+            </a:r>
+          </a:p>
+        </p:txBody>
+      </p:sp>
+      <p:pic>
+        <p:nvPicPr>
+          <p:cNvPr id="18" name="Picture 17" descr="A screenshot of a computer&#10;&#10;Description automatically generated">
+            <a:extLst>
+              <a:ext uri="{FF2B5EF4-FFF2-40B4-BE49-F238E27FC236}">
+                <a16:creationId xmlns:a16="http://schemas.microsoft.com/office/drawing/2014/main" id="{CBA9DEBF-E33C-9D95-B405-644D0401C42F}"/>
+              </a:ext>
+            </a:extLst>
+          </p:cNvPr>
+          <p:cNvPicPr>
+            <a:picLocks noChangeAspect="1"/>
+          </p:cNvPicPr>
+          <p:nvPr/>
+        </p:nvPicPr>
+        <p:blipFill>
+          <a:blip r:embed="rId3"/>
+          <a:srcRect t="3443" r="3" b="7706"/>
+          <a:stretch/>
+        </p:blipFill>
+        <p:spPr>
+          <a:xfrm>
+            <a:off x="365758" y="1554480"/>
+            <a:ext cx="5577840" cy="4572000"/>
+          </a:xfrm>
+          <a:prstGeom prst="rect">
+            <a:avLst/>
+          </a:prstGeom>
+          <a:noFill/>
+        </p:spPr>
+      </p:pic>
+      <p:pic>
+        <p:nvPicPr>
+          <p:cNvPr id="21" name="Picture 20" descr="A screenshot of a chat&#10;&#10;Description automatically generated">
+            <a:extLst>
+              <a:ext uri="{FF2B5EF4-FFF2-40B4-BE49-F238E27FC236}">
+                <a16:creationId xmlns:a16="http://schemas.microsoft.com/office/drawing/2014/main" id="{28787BA8-273E-691D-DDCB-CEAF9F3928FF}"/>
+              </a:ext>
+            </a:extLst>
+          </p:cNvPr>
+          <p:cNvPicPr>
+            <a:picLocks noChangeAspect="1"/>
+          </p:cNvPicPr>
+          <p:nvPr/>
+        </p:nvPicPr>
+        <p:blipFill>
+          <a:blip r:embed="rId4"/>
+          <a:srcRect t="3440" r="3" b="7949"/>
+          <a:stretch/>
+        </p:blipFill>
+        <p:spPr>
+          <a:xfrm>
+            <a:off x="6248400" y="1554480"/>
+            <a:ext cx="5577840" cy="4572000"/>
+          </a:xfrm>
+          <a:prstGeom prst="rect">
+            <a:avLst/>
+          </a:prstGeom>
+          <a:noFill/>
+        </p:spPr>
+      </p:pic>
+      <p:sp>
+        <p:nvSpPr>
+          <p:cNvPr id="5" name="Slide Number Placeholder 4">
+            <a:extLst>
+              <a:ext uri="{FF2B5EF4-FFF2-40B4-BE49-F238E27FC236}">
+                <a16:creationId xmlns:a16="http://schemas.microsoft.com/office/drawing/2014/main" id="{765734A1-1557-8215-E0DC-4950D9658A5E}"/>
+              </a:ext>
+            </a:extLst>
+          </p:cNvPr>
+          <p:cNvSpPr>
+            <a:spLocks noGrp="1"/>
+          </p:cNvSpPr>
+          <p:nvPr>
+            <p:ph type="sldNum" sz="quarter" idx="12"/>
+          </p:nvPr>
+        </p:nvSpPr>
+        <p:spPr>
+          <a:xfrm>
+            <a:off x="11506200" y="6429375"/>
+            <a:ext cx="320040" cy="228600"/>
+          </a:xfrm>
+        </p:spPr>
+        <p:txBody>
+          <a:bodyPr wrap="none" anchor="b">
+            <a:normAutofit/>
+          </a:bodyPr>
+          <a:lstStyle/>
+          <a:p>
+            <a:pPr>
+              <a:spcAft>
+                <a:spcPts val="600"/>
+              </a:spcAft>
+            </a:pPr>
+            <a:fld id="{B58DE5F1-E0F9-4CCA-92B7-7A6FC4DFEE14}" type="slidenum">
+              <a:rPr lang="en-US" smtClean="0"/>
+              <a:pPr>
+                <a:spcAft>
+                  <a:spcPts val="600"/>
+                </a:spcAft>
+              </a:pPr>
+              <a:t>5</a:t>
+            </a:fld>
+            <a:endParaRPr lang="en-US"/>
+          </a:p>
+        </p:txBody>
+      </p:sp>
+    </p:spTree>
+    <p:extLst>
+      <p:ext uri="{BB962C8B-B14F-4D97-AF65-F5344CB8AC3E}">
+        <p14:creationId xmlns:p14="http://schemas.microsoft.com/office/powerpoint/2010/main" val="2699610900"/>
+      </p:ext>
+    </p:extLst>
+  </p:cSld>
+  <p:clrMapOvr>
+    <a:masterClrMapping/>
+  </p:clrMapOvr>
+  <mc:AlternateContent xmlns:mc="http://schemas.openxmlformats.org/markup-compatibility/2006" xmlns:p14="http://schemas.microsoft.com/office/powerpoint/2010/main">
+    <mc:Choice Requires="p14">
+      <p:transition spd="med" p14:dur="700">
+        <p:fade/>
+      </p:transition>
+    </mc:Choice>
+    <mc:Fallback xmlns="">
+      <p:transition spd="med">
+        <p:fade/>
+      </p:transition>
+    </mc:Fallback>
+  </mc:AlternateContent>
+</p:sld>
+</file>
+
+<file path=ppt/slides/slide6.xml><?xml version="1.0" encoding="utf-8"?>
+<p:sld xmlns:a="http://schemas.openxmlformats.org/drawingml/2006/main" xmlns:r="http://schemas.openxmlformats.org/officeDocument/2006/relationships" xmlns:p="http://schemas.openxmlformats.org/presentationml/2006/main">
+  <p:cSld>
+    <p:spTree>
+      <p:nvGrpSpPr>
+        <p:cNvPr id="1" name="">
+          <a:extLst>
+            <a:ext uri="{FF2B5EF4-FFF2-40B4-BE49-F238E27FC236}">
+              <a16:creationId xmlns:a16="http://schemas.microsoft.com/office/drawing/2014/main" id="{1FB2801C-4E19-61C7-4920-55CC9C062A55}"/>
+            </a:ext>
+          </a:extLst>
+        </p:cNvPr>
+        <p:cNvGrpSpPr/>
+        <p:nvPr/>
+      </p:nvGrpSpPr>
+      <p:grpSpPr>
+        <a:xfrm>
+          <a:off x="0" y="0"/>
+          <a:ext cx="0" cy="0"/>
+          <a:chOff x="0" y="0"/>
+          <a:chExt cx="0" cy="0"/>
+        </a:xfrm>
+      </p:grpSpPr>
+      <p:sp>
+        <p:nvSpPr>
+          <p:cNvPr id="49" name="Title 1">
+            <a:extLst>
+              <a:ext uri="{FF2B5EF4-FFF2-40B4-BE49-F238E27FC236}">
+                <a16:creationId xmlns:a16="http://schemas.microsoft.com/office/drawing/2014/main" id="{7B45883A-1A56-9420-DD6C-F0279B068C77}"/>
+              </a:ext>
+            </a:extLst>
+          </p:cNvPr>
+          <p:cNvSpPr>
+            <a:spLocks noGrp="1"/>
+          </p:cNvSpPr>
+          <p:nvPr>
+            <p:ph type="title"/>
+          </p:nvPr>
+        </p:nvSpPr>
+        <p:spPr>
+          <a:xfrm>
+            <a:off x="365760" y="365760"/>
+            <a:ext cx="11460480" cy="914400"/>
+          </a:xfrm>
+        </p:spPr>
+        <p:txBody>
+          <a:bodyPr/>
+          <a:lstStyle/>
+          <a:p>
+            <a:r>
+              <a:rPr lang="en-US" dirty="0"/>
+              <a:t>MSL Companion vs ChatGPT:</a:t>
+            </a:r>
+            <a:br>
+              <a:rPr lang="en-US" dirty="0"/>
+            </a:br>
+            <a:r>
+              <a:rPr lang="en-US" dirty="0"/>
+              <a:t>Limited Breadth of Answers Improves Reliability</a:t>
+            </a:r>
+            <a:br>
+              <a:rPr lang="en-US" dirty="0"/>
+            </a:br>
+            <a:endParaRPr lang="en-US" dirty="0"/>
+          </a:p>
+        </p:txBody>
+      </p:sp>
+      <p:pic>
+        <p:nvPicPr>
+          <p:cNvPr id="2" name="Picture 1" descr="A screenshot of a computer&#10;&#10;Description automatically generated">
+            <a:extLst>
+              <a:ext uri="{FF2B5EF4-FFF2-40B4-BE49-F238E27FC236}">
+                <a16:creationId xmlns:a16="http://schemas.microsoft.com/office/drawing/2014/main" id="{FC960F7C-7285-7468-52C8-CF2E2704D448}"/>
+              </a:ext>
+            </a:extLst>
+          </p:cNvPr>
+          <p:cNvPicPr>
+            <a:picLocks noChangeAspect="1"/>
+          </p:cNvPicPr>
+          <p:nvPr/>
+        </p:nvPicPr>
+        <p:blipFill>
+          <a:blip r:embed="rId3"/>
+          <a:srcRect t="3204" r="3" b="7945"/>
+          <a:stretch/>
+        </p:blipFill>
+        <p:spPr>
+          <a:xfrm>
+            <a:off x="365758" y="1554480"/>
+            <a:ext cx="5577840" cy="4572000"/>
+          </a:xfrm>
+          <a:prstGeom prst="rect">
+            <a:avLst/>
+          </a:prstGeom>
+          <a:noFill/>
+        </p:spPr>
+      </p:pic>
+      <p:pic>
+        <p:nvPicPr>
+          <p:cNvPr id="3" name="Picture 2" descr="A screenshot of a computer&#10;&#10;Description automatically generated">
+            <a:extLst>
+              <a:ext uri="{FF2B5EF4-FFF2-40B4-BE49-F238E27FC236}">
+                <a16:creationId xmlns:a16="http://schemas.microsoft.com/office/drawing/2014/main" id="{F3D28A4B-7DEC-437C-7B98-6A1031898684}"/>
+              </a:ext>
+            </a:extLst>
+          </p:cNvPr>
+          <p:cNvPicPr>
+            <a:picLocks noChangeAspect="1"/>
+          </p:cNvPicPr>
+          <p:nvPr/>
+        </p:nvPicPr>
+        <p:blipFill>
+          <a:blip r:embed="rId4"/>
+          <a:srcRect t="3429" r="3" b="7960"/>
+          <a:stretch/>
+        </p:blipFill>
+        <p:spPr>
+          <a:xfrm>
+            <a:off x="6248400" y="1554480"/>
+            <a:ext cx="5577840" cy="4572000"/>
+          </a:xfrm>
+          <a:prstGeom prst="rect">
+            <a:avLst/>
+          </a:prstGeom>
+          <a:noFill/>
+        </p:spPr>
+      </p:pic>
+      <p:sp>
+        <p:nvSpPr>
+          <p:cNvPr id="5" name="Slide Number Placeholder 4">
+            <a:extLst>
+              <a:ext uri="{FF2B5EF4-FFF2-40B4-BE49-F238E27FC236}">
+                <a16:creationId xmlns:a16="http://schemas.microsoft.com/office/drawing/2014/main" id="{924B3750-D26E-ED33-F38C-44DD924BAF34}"/>
+              </a:ext>
+            </a:extLst>
+          </p:cNvPr>
+          <p:cNvSpPr>
+            <a:spLocks noGrp="1"/>
+          </p:cNvSpPr>
+          <p:nvPr>
+            <p:ph type="sldNum" sz="quarter" idx="12"/>
+          </p:nvPr>
+        </p:nvSpPr>
+        <p:spPr>
+          <a:xfrm>
+            <a:off x="11506200" y="6429375"/>
+            <a:ext cx="320040" cy="228600"/>
+          </a:xfrm>
+        </p:spPr>
+        <p:txBody>
+          <a:bodyPr wrap="none" anchor="b">
+            <a:normAutofit/>
+          </a:bodyPr>
+          <a:lstStyle/>
+          <a:p>
+            <a:pPr>
+              <a:spcAft>
+                <a:spcPts val="600"/>
+              </a:spcAft>
+            </a:pPr>
+            <a:fld id="{B58DE5F1-E0F9-4CCA-92B7-7A6FC4DFEE14}" type="slidenum">
+              <a:rPr lang="en-US" smtClean="0"/>
+              <a:pPr>
+                <a:spcAft>
+                  <a:spcPts val="600"/>
+                </a:spcAft>
+              </a:pPr>
+              <a:t>6</a:t>
+            </a:fld>
+            <a:endParaRPr lang="en-US"/>
+          </a:p>
+        </p:txBody>
+      </p:sp>
+    </p:spTree>
+    <p:extLst>
+      <p:ext uri="{BB962C8B-B14F-4D97-AF65-F5344CB8AC3E}">
+        <p14:creationId xmlns:p14="http://schemas.microsoft.com/office/powerpoint/2010/main" val="424182340"/>
+      </p:ext>
+    </p:extLst>
+  </p:cSld>
+  <p:clrMapOvr>
+    <a:masterClrMapping/>
+  </p:clrMapOvr>
+  <mc:AlternateContent xmlns:mc="http://schemas.openxmlformats.org/markup-compatibility/2006" xmlns:p14="http://schemas.microsoft.com/office/powerpoint/2010/main">
+    <mc:Choice Requires="p14">
+      <p:transition spd="med" p14:dur="700">
+        <p:fade/>
+      </p:transition>
+    </mc:Choice>
+    <mc:Fallback xmlns="">
+      <p:transition spd="med">
+        <p:fade/>
+      </p:transition>
+    </mc:Fallback>
+  </mc:AlternateContent>
+</p:sld>
+</file>
+
+<file path=ppt/slides/slide7.xml><?xml version="1.0" encoding="utf-8"?>
+<p:sld xmlns:a="http://schemas.openxmlformats.org/drawingml/2006/main" xmlns:r="http://schemas.openxmlformats.org/officeDocument/2006/relationships" xmlns:p="http://schemas.openxmlformats.org/presentationml/2006/main">
+  <p:cSld>
+    <p:spTree>
+      <p:nvGrpSpPr>
+        <p:cNvPr id="1" name="">
+          <a:extLst>
+            <a:ext uri="{FF2B5EF4-FFF2-40B4-BE49-F238E27FC236}">
+              <a16:creationId xmlns:a16="http://schemas.microsoft.com/office/drawing/2014/main" id="{820A279F-8DEE-B9CD-AA4E-4DB6BD6D62EF}"/>
+            </a:ext>
+          </a:extLst>
+        </p:cNvPr>
+        <p:cNvGrpSpPr/>
+        <p:nvPr/>
+      </p:nvGrpSpPr>
+      <p:grpSpPr>
+        <a:xfrm>
+          <a:off x="0" y="0"/>
+          <a:ext cx="0" cy="0"/>
+          <a:chOff x="0" y="0"/>
+          <a:chExt cx="0" cy="0"/>
+        </a:xfrm>
+      </p:grpSpPr>
+      <p:sp>
+        <p:nvSpPr>
+          <p:cNvPr id="54" name="Title 1">
+            <a:extLst>
+              <a:ext uri="{FF2B5EF4-FFF2-40B4-BE49-F238E27FC236}">
+                <a16:creationId xmlns:a16="http://schemas.microsoft.com/office/drawing/2014/main" id="{842BCF5A-6733-999C-C34E-375CDFAC7182}"/>
+              </a:ext>
+            </a:extLst>
+          </p:cNvPr>
+          <p:cNvSpPr>
+            <a:spLocks noGrp="1"/>
+          </p:cNvSpPr>
+          <p:nvPr>
+            <p:ph type="title"/>
+          </p:nvPr>
+        </p:nvSpPr>
+        <p:spPr>
+          <a:xfrm>
+            <a:off x="365760" y="365760"/>
+            <a:ext cx="11460480" cy="914400"/>
+          </a:xfrm>
+        </p:spPr>
+        <p:txBody>
+          <a:bodyPr/>
+          <a:lstStyle/>
+          <a:p>
+            <a:r>
+              <a:rPr lang="en-US" dirty="0"/>
+              <a:t>MSL Companion vs ChatGPT</a:t>
+            </a:r>
+            <a:br>
+              <a:rPr lang="en-US" dirty="0"/>
+            </a:br>
+            <a:r>
+              <a:rPr lang="en-US" sz="2400" dirty="0"/>
+              <a:t>Mitigate Incorrect Answers (Hallucination)</a:t>
+            </a:r>
+          </a:p>
+        </p:txBody>
+      </p:sp>
+      <p:pic>
+        <p:nvPicPr>
+          <p:cNvPr id="4" name="Picture 3">
+            <a:extLst>
+              <a:ext uri="{FF2B5EF4-FFF2-40B4-BE49-F238E27FC236}">
+                <a16:creationId xmlns:a16="http://schemas.microsoft.com/office/drawing/2014/main" id="{565BBE0F-25D7-F9FC-DF7C-D19867F2E569}"/>
+              </a:ext>
+            </a:extLst>
+          </p:cNvPr>
+          <p:cNvPicPr>
+            <a:picLocks noChangeAspect="1"/>
+          </p:cNvPicPr>
+          <p:nvPr/>
+        </p:nvPicPr>
+        <p:blipFill>
+          <a:blip r:embed="rId3"/>
+          <a:srcRect t="12215" r="-2" b="15857"/>
+          <a:stretch/>
+        </p:blipFill>
+        <p:spPr>
+          <a:xfrm>
+            <a:off x="518160" y="1568767"/>
+            <a:ext cx="5577840" cy="4572000"/>
+          </a:xfrm>
+          <a:prstGeom prst="rect">
+            <a:avLst/>
+          </a:prstGeom>
+          <a:noFill/>
+        </p:spPr>
+      </p:pic>
+      <p:sp>
+        <p:nvSpPr>
+          <p:cNvPr id="5" name="Slide Number Placeholder 4">
+            <a:extLst>
+              <a:ext uri="{FF2B5EF4-FFF2-40B4-BE49-F238E27FC236}">
+                <a16:creationId xmlns:a16="http://schemas.microsoft.com/office/drawing/2014/main" id="{F4A9213D-A937-4269-4978-27DC1CD027FE}"/>
+              </a:ext>
+            </a:extLst>
+          </p:cNvPr>
+          <p:cNvSpPr>
+            <a:spLocks noGrp="1"/>
+          </p:cNvSpPr>
+          <p:nvPr>
+            <p:ph type="sldNum" sz="quarter" idx="12"/>
+          </p:nvPr>
+        </p:nvSpPr>
+        <p:spPr>
+          <a:xfrm>
+            <a:off x="11506200" y="6429375"/>
+            <a:ext cx="320040" cy="228600"/>
+          </a:xfrm>
+        </p:spPr>
+        <p:txBody>
+          <a:bodyPr wrap="none" anchor="b">
+            <a:normAutofit/>
+          </a:bodyPr>
+          <a:lstStyle/>
+          <a:p>
+            <a:pPr>
+              <a:spcAft>
+                <a:spcPts val="600"/>
+              </a:spcAft>
+            </a:pPr>
+            <a:fld id="{B58DE5F1-E0F9-4CCA-92B7-7A6FC4DFEE14}" type="slidenum">
+              <a:rPr lang="en-US" smtClean="0"/>
+              <a:pPr>
+                <a:spcAft>
+                  <a:spcPts val="600"/>
+                </a:spcAft>
+              </a:pPr>
+              <a:t>7</a:t>
+            </a:fld>
+            <a:endParaRPr lang="en-US"/>
+          </a:p>
+        </p:txBody>
+      </p:sp>
+      <p:pic>
+        <p:nvPicPr>
+          <p:cNvPr id="6" name="Picture 5">
+            <a:extLst>
+              <a:ext uri="{FF2B5EF4-FFF2-40B4-BE49-F238E27FC236}">
+                <a16:creationId xmlns:a16="http://schemas.microsoft.com/office/drawing/2014/main" id="{E0EDD646-AEA8-5092-E08D-B165BADE6DC2}"/>
+              </a:ext>
+            </a:extLst>
+          </p:cNvPr>
+          <p:cNvPicPr>
+            <a:picLocks noChangeAspect="1"/>
+          </p:cNvPicPr>
+          <p:nvPr/>
+        </p:nvPicPr>
+        <p:blipFill>
+          <a:blip r:embed="rId4"/>
+          <a:stretch>
+            <a:fillRect/>
+          </a:stretch>
+        </p:blipFill>
+        <p:spPr>
+          <a:xfrm>
+            <a:off x="5943598" y="365760"/>
+            <a:ext cx="5992637" cy="6858000"/>
+          </a:xfrm>
+          <a:prstGeom prst="rect">
+            <a:avLst/>
+          </a:prstGeom>
+        </p:spPr>
+      </p:pic>
+      <p:pic>
+        <p:nvPicPr>
+          <p:cNvPr id="16" name="Picture 15">
+            <a:extLst>
+              <a:ext uri="{FF2B5EF4-FFF2-40B4-BE49-F238E27FC236}">
+                <a16:creationId xmlns:a16="http://schemas.microsoft.com/office/drawing/2014/main" id="{439B08E6-73A8-F8A8-C0EF-FE6D8E6FA429}"/>
+              </a:ext>
+            </a:extLst>
+          </p:cNvPr>
+          <p:cNvPicPr>
+            <a:picLocks noChangeAspect="1"/>
+          </p:cNvPicPr>
+          <p:nvPr/>
+        </p:nvPicPr>
+        <p:blipFill>
+          <a:blip r:embed="rId5"/>
+          <a:srcRect r="4970"/>
+          <a:stretch/>
+        </p:blipFill>
+        <p:spPr>
+          <a:xfrm>
+            <a:off x="313921" y="5289233"/>
+            <a:ext cx="5782079" cy="1068747"/>
+          </a:xfrm>
+          <a:prstGeom prst="rect">
+            <a:avLst/>
+          </a:prstGeom>
+          <a:ln w="57150">
+            <a:solidFill>
+              <a:srgbClr val="92D050"/>
+            </a:solidFill>
+          </a:ln>
+        </p:spPr>
+      </p:pic>
+      <p:pic>
+        <p:nvPicPr>
+          <p:cNvPr id="18" name="Picture 17">
+            <a:extLst>
+              <a:ext uri="{FF2B5EF4-FFF2-40B4-BE49-F238E27FC236}">
+                <a16:creationId xmlns:a16="http://schemas.microsoft.com/office/drawing/2014/main" id="{0CBB8239-D3F1-1918-FFAD-DC6A7C81FB35}"/>
+              </a:ext>
+            </a:extLst>
+          </p:cNvPr>
+          <p:cNvPicPr>
+            <a:picLocks noChangeAspect="1"/>
+          </p:cNvPicPr>
+          <p:nvPr/>
+        </p:nvPicPr>
+        <p:blipFill>
+          <a:blip r:embed="rId6"/>
+          <a:stretch>
+            <a:fillRect/>
+          </a:stretch>
+        </p:blipFill>
+        <p:spPr>
+          <a:xfrm>
+            <a:off x="313921" y="2703858"/>
+            <a:ext cx="5782079" cy="1123137"/>
+          </a:xfrm>
+          <a:prstGeom prst="rect">
+            <a:avLst/>
+          </a:prstGeom>
+          <a:ln w="57150">
+            <a:solidFill>
+              <a:srgbClr val="92D050"/>
+            </a:solidFill>
+          </a:ln>
+        </p:spPr>
+      </p:pic>
+      <p:grpSp>
+        <p:nvGrpSpPr>
+          <p:cNvPr id="20" name="Group 19">
+            <a:extLst>
+              <a:ext uri="{FF2B5EF4-FFF2-40B4-BE49-F238E27FC236}">
+                <a16:creationId xmlns:a16="http://schemas.microsoft.com/office/drawing/2014/main" id="{A6856DC8-75F9-7720-22E6-16149EB6F779}"/>
+              </a:ext>
+            </a:extLst>
+          </p:cNvPr>
+          <p:cNvGrpSpPr/>
+          <p:nvPr/>
+        </p:nvGrpSpPr>
+        <p:grpSpPr>
+          <a:xfrm>
+            <a:off x="6244813" y="3503650"/>
+            <a:ext cx="5480864" cy="2901862"/>
+            <a:chOff x="5943597" y="3250838"/>
+            <a:chExt cx="5992637" cy="3172822"/>
+          </a:xfrm>
+        </p:grpSpPr>
+        <p:pic>
+          <p:nvPicPr>
+            <p:cNvPr id="7" name="Picture 6">
+              <a:extLst>
+                <a:ext uri="{FF2B5EF4-FFF2-40B4-BE49-F238E27FC236}">
+                  <a16:creationId xmlns:a16="http://schemas.microsoft.com/office/drawing/2014/main" id="{4F052286-A3FA-9B88-73D7-B69070AE1462}"/>
+                </a:ext>
+              </a:extLst>
+            </p:cNvPr>
+            <p:cNvPicPr>
+              <a:picLocks noChangeAspect="1"/>
+            </p:cNvPicPr>
+            <p:nvPr/>
+          </p:nvPicPr>
+          <p:blipFill>
+            <a:blip r:embed="rId7"/>
+            <a:stretch>
+              <a:fillRect/>
+            </a:stretch>
+          </p:blipFill>
+          <p:spPr>
+            <a:xfrm>
+              <a:off x="5943597" y="5156182"/>
+              <a:ext cx="5992637" cy="1267478"/>
+            </a:xfrm>
+            <a:prstGeom prst="rect">
+              <a:avLst/>
+            </a:prstGeom>
+            <a:solidFill>
+              <a:schemeClr val="accent2"/>
+            </a:solidFill>
+            <a:ln w="76200">
+              <a:solidFill>
+                <a:srgbClr val="FF0000"/>
+              </a:solidFill>
+            </a:ln>
+          </p:spPr>
+        </p:pic>
+        <p:sp>
+          <p:nvSpPr>
+            <p:cNvPr id="19" name="Multiply 18">
+              <a:extLst>
+                <a:ext uri="{FF2B5EF4-FFF2-40B4-BE49-F238E27FC236}">
+                  <a16:creationId xmlns:a16="http://schemas.microsoft.com/office/drawing/2014/main" id="{16777C33-196D-F078-1146-4E5B7A8634DF}"/>
+                </a:ext>
+              </a:extLst>
+            </p:cNvPr>
+            <p:cNvSpPr/>
+            <p:nvPr/>
+          </p:nvSpPr>
+          <p:spPr>
+            <a:xfrm>
+              <a:off x="6788275" y="3250838"/>
+              <a:ext cx="4876800" cy="1674580"/>
+            </a:xfrm>
+            <a:prstGeom prst="mathMultiply">
+              <a:avLst/>
+            </a:prstGeom>
+            <a:solidFill>
+              <a:srgbClr val="FF0000">
+                <a:alpha val="10000"/>
+              </a:srgbClr>
+            </a:solidFill>
+            <a:ln>
+              <a:noFill/>
+            </a:ln>
+          </p:spPr>
+          <p:style>
+            <a:lnRef idx="0">
+              <a:schemeClr val="accent1"/>
+            </a:lnRef>
+            <a:fillRef idx="1">
+              <a:schemeClr val="accent1"/>
+            </a:fillRef>
+            <a:effectRef idx="0">
+              <a:srgbClr val="000000"/>
+            </a:effectRef>
+            <a:fontRef idx="minor">
+              <a:schemeClr val="lt1"/>
+            </a:fontRef>
+          </p:style>
+          <p:txBody>
+            <a:bodyPr rtlCol="0" anchor="ctr"/>
+            <a:lstStyle/>
+            <a:p>
+              <a:pPr algn="ctr">
+                <a:lnSpc>
+                  <a:spcPct val="100000"/>
+                </a:lnSpc>
+              </a:pPr>
+              <a:endParaRPr lang="en-US" sz="2000"/>
+            </a:p>
+          </p:txBody>
+        </p:sp>
+      </p:grpSp>
+    </p:spTree>
+    <p:extLst>
+      <p:ext uri="{BB962C8B-B14F-4D97-AF65-F5344CB8AC3E}">
+        <p14:creationId xmlns:p14="http://schemas.microsoft.com/office/powerpoint/2010/main" val="17155317"/>
+      </p:ext>
+    </p:extLst>
+  </p:cSld>
+  <p:clrMapOvr>
+    <a:masterClrMapping/>
+  </p:clrMapOvr>
+  <mc:AlternateContent xmlns:mc="http://schemas.openxmlformats.org/markup-compatibility/2006" xmlns:p14="http://schemas.microsoft.com/office/powerpoint/2010/main">
+    <mc:Choice Requires="p14">
+      <p:transition spd="med" p14:dur="700">
+        <p:fade/>
+      </p:transition>
+    </mc:Choice>
+    <mc:Fallback xmlns="">
+      <p:transition spd="med">
+        <p:fade/>
+      </p:transition>
+    </mc:Fallback>
+  </mc:AlternateContent>
+  <p:timing>
+    <p:tnLst>
+      <p:par>
+        <p:cTn id="1" dur="indefinite" restart="never" nodeType="tmRoot">
+          <p:childTnLst>
+            <p:seq concurrent="1" nextAc="seek">
+              <p:cTn id="2" dur="indefinite" nodeType="mainSeq">
+                <p:childTnLst>
+                  <p:par>
+                    <p:cTn id="3" fill="hold">
+                      <p:stCondLst>
+                        <p:cond delay="indefinite"/>
+                      </p:stCondLst>
+                      <p:childTnLst>
+                        <p:par>
+                          <p:cTn id="4" fill="hold">
+                            <p:stCondLst>
+                              <p:cond delay="0"/>
+                            </p:stCondLst>
+                            <p:childTnLst>
+                              <p:par>
+                                <p:cTn id="5" presetID="1" presetClass="entr" presetSubtype="0" fill="hold" nodeType="clickEffect">
+                                  <p:stCondLst>
+                                    <p:cond delay="0"/>
+                                  </p:stCondLst>
+                                  <p:childTnLst>
+                                    <p:set>
+                                      <p:cBhvr>
+                                        <p:cTn id="6" dur="1" fill="hold">
+                                          <p:stCondLst>
+                                            <p:cond delay="0"/>
+                                          </p:stCondLst>
+                                        </p:cTn>
+                                        <p:tgtEl>
+                                          <p:spTgt spid="18"/>
+                                        </p:tgtEl>
+                                        <p:attrNameLst>
+                                          <p:attrName>style.visibility</p:attrName>
+                                        </p:attrNameLst>
+                                      </p:cBhvr>
+                                      <p:to>
+                                        <p:strVal val="visible"/>
+                                      </p:to>
+                                    </p:set>
+                                  </p:childTnLst>
+                                </p:cTn>
+                              </p:par>
+                            </p:childTnLst>
+                          </p:cTn>
+                        </p:par>
+                      </p:childTnLst>
+                    </p:cTn>
+                  </p:par>
+                  <p:par>
+                    <p:cTn id="7" fill="hold">
+                      <p:stCondLst>
+                        <p:cond delay="indefinite"/>
+                      </p:stCondLst>
+                      <p:childTnLst>
+                        <p:par>
+                          <p:cTn id="8" fill="hold">
+                            <p:stCondLst>
+                              <p:cond delay="0"/>
+                            </p:stCondLst>
+                            <p:childTnLst>
+                              <p:par>
+                                <p:cTn id="9" presetID="1" presetClass="exit" presetSubtype="0" fill="hold" nodeType="clickEffect">
+                                  <p:stCondLst>
+                                    <p:cond delay="0"/>
+                                  </p:stCondLst>
+                                  <p:childTnLst>
+                                    <p:set>
+                                      <p:cBhvr>
+                                        <p:cTn id="10" dur="1" fill="hold">
+                                          <p:stCondLst>
+                                            <p:cond delay="0"/>
+                                          </p:stCondLst>
+                                        </p:cTn>
+                                        <p:tgtEl>
+                                          <p:spTgt spid="18"/>
+                                        </p:tgtEl>
+                                        <p:attrNameLst>
+                                          <p:attrName>style.visibility</p:attrName>
+                                        </p:attrNameLst>
+                                      </p:cBhvr>
+                                      <p:to>
+                                        <p:strVal val="hidden"/>
+                                      </p:to>
+                                    </p:set>
+                                  </p:childTnLst>
+                                </p:cTn>
+                              </p:par>
+                            </p:childTnLst>
+                          </p:cTn>
+                        </p:par>
+                      </p:childTnLst>
+                    </p:cTn>
+                  </p:par>
+                  <p:par>
+                    <p:cTn id="11" fill="hold">
+                      <p:stCondLst>
+                        <p:cond delay="indefinite"/>
+                      </p:stCondLst>
+                      <p:childTnLst>
+                        <p:par>
+                          <p:cTn id="12" fill="hold">
+                            <p:stCondLst>
+                              <p:cond delay="0"/>
+                            </p:stCondLst>
+                            <p:childTnLst>
+                              <p:par>
+                                <p:cTn id="13" presetID="1" presetClass="entr" presetSubtype="0" fill="hold" nodeType="clickEffect">
+                                  <p:stCondLst>
+                                    <p:cond delay="0"/>
+                                  </p:stCondLst>
+                                  <p:childTnLst>
+                                    <p:set>
+                                      <p:cBhvr>
+                                        <p:cTn id="14" dur="1" fill="hold">
+                                          <p:stCondLst>
+                                            <p:cond delay="0"/>
+                                          </p:stCondLst>
+                                        </p:cTn>
+                                        <p:tgtEl>
+                                          <p:spTgt spid="16"/>
+                                        </p:tgtEl>
+                                        <p:attrNameLst>
+                                          <p:attrName>style.visibility</p:attrName>
+                                        </p:attrNameLst>
+                                      </p:cBhvr>
+                                      <p:to>
+                                        <p:strVal val="visible"/>
+                                      </p:to>
+                                    </p:set>
+                                  </p:childTnLst>
+                                </p:cTn>
+                              </p:par>
+                            </p:childTnLst>
+                          </p:cTn>
+                        </p:par>
+                      </p:childTnLst>
+                    </p:cTn>
+                  </p:par>
+                  <p:par>
+                    <p:cTn id="15" fill="hold">
+                      <p:stCondLst>
+                        <p:cond delay="indefinite"/>
+                      </p:stCondLst>
+                      <p:childTnLst>
+                        <p:par>
+                          <p:cTn id="16" fill="hold">
+                            <p:stCondLst>
+                              <p:cond delay="0"/>
+                            </p:stCondLst>
+                            <p:childTnLst>
+                              <p:par>
+                                <p:cTn id="17" presetID="1" presetClass="exit" presetSubtype="0" fill="hold" nodeType="clickEffect">
+                                  <p:stCondLst>
+                                    <p:cond delay="0"/>
+                                  </p:stCondLst>
+                                  <p:childTnLst>
+                                    <p:set>
+                                      <p:cBhvr>
+                                        <p:cTn id="18" dur="1" fill="hold">
+                                          <p:stCondLst>
+                                            <p:cond delay="0"/>
+                                          </p:stCondLst>
+                                        </p:cTn>
+                                        <p:tgtEl>
+                                          <p:spTgt spid="16"/>
+                                        </p:tgtEl>
+                                        <p:attrNameLst>
+                                          <p:attrName>style.visibility</p:attrName>
+                                        </p:attrNameLst>
+                                      </p:cBhvr>
+                                      <p:to>
+                                        <p:strVal val="hidden"/>
+                                      </p:to>
+                                    </p:set>
+                                  </p:childTnLst>
+                                </p:cTn>
+                              </p:par>
+                            </p:childTnLst>
+                          </p:cTn>
+                        </p:par>
+                      </p:childTnLst>
+                    </p:cTn>
+                  </p:par>
+                  <p:par>
+                    <p:cTn id="19" fill="hold">
+                      <p:stCondLst>
+                        <p:cond delay="indefinite"/>
+                      </p:stCondLst>
+                      <p:childTnLst>
+                        <p:par>
+                          <p:cTn id="20" fill="hold">
+                            <p:stCondLst>
+                              <p:cond delay="0"/>
+                            </p:stCondLst>
+                            <p:childTnLst>
+                              <p:par>
+                                <p:cTn id="21" presetID="1" presetClass="entr" presetSubtype="0" fill="hold" nodeType="clickEffect">
+                                  <p:stCondLst>
+                                    <p:cond delay="0"/>
+                                  </p:stCondLst>
+                                  <p:childTnLst>
+                                    <p:set>
+                                      <p:cBhvr>
+                                        <p:cTn id="22" dur="1" fill="hold">
+                                          <p:stCondLst>
+                                            <p:cond delay="0"/>
+                                          </p:stCondLst>
+                                        </p:cTn>
+                                        <p:tgtEl>
+                                          <p:spTgt spid="20"/>
+                                        </p:tgtEl>
+                                        <p:attrNameLst>
+                                          <p:attrName>style.visibility</p:attrName>
+                                        </p:attrNameLst>
+                                      </p:cBhvr>
+                                      <p:to>
+                                        <p:strVal val="visible"/>
+                                      </p:to>
+                                    </p:set>
+                                  </p:childTnLst>
+                                </p:cTn>
+                              </p:par>
+                            </p:childTnLst>
+                          </p:cTn>
+                        </p:par>
+                      </p:childTnLst>
+                    </p:cTn>
+                  </p:par>
+                  <p:par>
+                    <p:cTn id="23" fill="hold">
+                      <p:stCondLst>
+                        <p:cond delay="indefinite"/>
+                      </p:stCondLst>
+                      <p:childTnLst>
+                        <p:par>
+                          <p:cTn id="24" fill="hold">
+                            <p:stCondLst>
+                              <p:cond delay="0"/>
+                            </p:stCondLst>
+                            <p:childTnLst>
+                              <p:par>
+                                <p:cTn id="25" presetID="1" presetClass="exit" presetSubtype="0" fill="hold" nodeType="clickEffect">
+                                  <p:stCondLst>
+                                    <p:cond delay="0"/>
+                                  </p:stCondLst>
+                                  <p:childTnLst>
+                                    <p:set>
+                                      <p:cBhvr>
+                                        <p:cTn id="26" dur="1" fill="hold">
+                                          <p:stCondLst>
+                                            <p:cond delay="0"/>
+                                          </p:stCondLst>
+                                        </p:cTn>
+                                        <p:tgtEl>
+                                          <p:spTgt spid="20"/>
+                                        </p:tgtEl>
+                                        <p:attrNameLst>
+                                          <p:attrName>style.visibility</p:attrName>
+                                        </p:attrNameLst>
+                                      </p:cBhvr>
+                                      <p:to>
+                                        <p:strVal val="hidden"/>
+                                      </p:to>
+                                    </p:set>
+                                  </p:childTnLst>
+                                </p:cTn>
+                              </p:par>
+                            </p:childTnLst>
+                          </p:cTn>
+                        </p:par>
+                      </p:childTnLst>
+                    </p:cTn>
+                  </p:par>
+                </p:childTnLst>
+              </p:cTn>
+              <p:prevCondLst>
+                <p:cond evt="onPrev" delay="0">
+                  <p:tgtEl>
+                    <p:sldTgt/>
+                  </p:tgtEl>
+                </p:cond>
+              </p:prevCondLst>
+              <p:nextCondLst>
+                <p:cond evt="onNext" delay="0">
+                  <p:tgtEl>
+                    <p:sldTgt/>
+                  </p:tgtEl>
+                </p:cond>
+              </p:nextCondLst>
+            </p:seq>
+          </p:childTnLst>
+        </p:cTn>
+      </p:par>
+    </p:tnLst>
+  </p:timing>
+</p:sld>
+</file>
+
+<file path=ppt/slides/slide8.xml><?xml version="1.0" encoding="utf-8"?>
+<p:sld xmlns:a="http://schemas.openxmlformats.org/drawingml/2006/main" xmlns:r="http://schemas.openxmlformats.org/officeDocument/2006/relationships" xmlns:p="http://schemas.openxmlformats.org/presentationml/2006/main">
+  <p:cSld>
+    <p:spTree>
+      <p:nvGrpSpPr>
+        <p:cNvPr id="1" name=""/>
+        <p:cNvGrpSpPr/>
+        <p:nvPr/>
+      </p:nvGrpSpPr>
+      <p:grpSpPr>
+        <a:xfrm>
+          <a:off x="0" y="0"/>
+          <a:ext cx="0" cy="0"/>
+          <a:chOff x="0" y="0"/>
+          <a:chExt cx="0" cy="0"/>
+        </a:xfrm>
+      </p:grpSpPr>
+      <p:sp>
+        <p:nvSpPr>
+          <p:cNvPr id="2" name="Title 1">
+            <a:extLst>
+              <a:ext uri="{FF2B5EF4-FFF2-40B4-BE49-F238E27FC236}">
+                <a16:creationId xmlns:a16="http://schemas.microsoft.com/office/drawing/2014/main" id="{21F314ED-2F63-194B-070D-7B2049B1B85A}"/>
+              </a:ext>
+            </a:extLst>
+          </p:cNvPr>
+          <p:cNvSpPr>
+            <a:spLocks noGrp="1"/>
+          </p:cNvSpPr>
+          <p:nvPr>
+            <p:ph type="title"/>
+          </p:nvPr>
+        </p:nvSpPr>
+        <p:spPr/>
+        <p:txBody>
+          <a:bodyPr/>
+          <a:lstStyle/>
+          <a:p>
+            <a:r>
+              <a:rPr lang="en-US" dirty="0"/>
               <a:t>Future Potential Enhancements</a:t>
             </a:r>
           </a:p>
@@ -14086,20 +15423,28 @@
           <a:p>
             <a:r>
               <a:rPr lang="en-US" dirty="0"/>
-              <a:t>Enable open-source models like Llama that can be hosted in-house to limit the risk of proprietary data being sent externally. </a:t>
+              <a:t>Enable web links to each source PI. </a:t>
             </a:r>
           </a:p>
           <a:p>
             <a:r>
               <a:rPr lang="en-US" dirty="0"/>
-              <a:t>Enable web links to each source PI.</a:t>
-            </a:r>
-          </a:p>
-          <a:p>
-            <a:r>
-              <a:rPr lang="en-US"/>
-              <a:t>Enable </a:t>
-            </a:r>
+              <a:t>Enable other information in the PI.</a:t>
+            </a:r>
+          </a:p>
+          <a:p>
+            <a:r>
+              <a:rPr lang="en-US" dirty="0"/>
+              <a:t>Enable other information relevant to MSLs, including proprietary information.</a:t>
+            </a:r>
+          </a:p>
+          <a:p>
+            <a:r>
+              <a:rPr lang="en-US" dirty="0"/>
+              <a:t>Enable open-source models like Llama that can be hosted in-house to limit the risk of proprietary data being sent externally.</a:t>
+            </a:r>
+          </a:p>
+          <a:p>
             <a:endParaRPr lang="en-US" dirty="0"/>
           </a:p>
           <a:p>
@@ -14130,7 +15475,7 @@
           <a:p>
             <a:fld id="{B58DE5F1-E0F9-4CCA-92B7-7A6FC4DFEE14}" type="slidenum">
               <a:rPr lang="en-US" smtClean="0"/>
-              <a:t>5</a:t>
+              <a:t>8</a:t>
             </a:fld>
             <a:endParaRPr lang="en-US"/>
           </a:p>
@@ -14161,7 +15506,7 @@
 </p:sld>
 </file>
 
-<file path=ppt/slides/slide6.xml><?xml version="1.0" encoding="utf-8"?>
+<file path=ppt/slides/slide9.xml><?xml version="1.0" encoding="utf-8"?>
 <p:sld xmlns:a="http://schemas.openxmlformats.org/drawingml/2006/main" xmlns:r="http://schemas.openxmlformats.org/officeDocument/2006/relationships" xmlns:p="http://schemas.openxmlformats.org/presentationml/2006/main">
   <p:cSld>
     <p:spTree>
